--- a/images/ms-pub-2023-looking-back/summary.pptx
+++ b/images/ms-pub-2023-looking-back/summary.pptx
@@ -9,6 +9,7 @@
     <p:sldId id="257" r:id="rId3"/>
     <p:sldId id="258" r:id="rId4"/>
     <p:sldId id="259" r:id="rId5"/>
+    <p:sldId id="260" r:id="rId6"/>
   </p:sldIdLst>
   <p:sldSz cx="12192000" cy="6858000"/>
   <p:notesSz cx="6858000" cy="9144000"/>
@@ -107,6 +108,11 @@
       </a:defRPr>
     </a:lvl9pPr>
   </p:defaultTextStyle>
+  <p:extLst>
+    <p:ext uri="{EFAFB233-063F-42B5-8137-9DF3F51BA10A}">
+      <p15:sldGuideLst xmlns:p15="http://schemas.microsoft.com/office/powerpoint/2012/main"/>
+    </p:ext>
+  </p:extLst>
 </p:presentation>
 </file>
 
@@ -807,106 +813,6 @@
               </c:ext>
             </c:extLst>
           </c:dPt>
-          <c:dLbls>
-            <c:dLbl>
-              <c:idx val="0"/>
-              <c:layout>
-                <c:manualLayout>
-                  <c:x val="-0.34743631346039539"/>
-                  <c:y val="-0.24159792454900403"/>
-                </c:manualLayout>
-              </c:layout>
-              <c:showLegendKey val="0"/>
-              <c:showVal val="0"/>
-              <c:showCatName val="1"/>
-              <c:showSerName val="0"/>
-              <c:showPercent val="1"/>
-              <c:showBubbleSize val="0"/>
-              <c:extLst>
-                <c:ext xmlns:c15="http://schemas.microsoft.com/office/drawing/2012/chart" uri="{CE6537A1-D6FC-4f65-9D91-7224C49458BB}"/>
-                <c:ext xmlns:c16="http://schemas.microsoft.com/office/drawing/2014/chart" uri="{C3380CC4-5D6E-409C-BE32-E72D297353CC}">
-                  <c16:uniqueId val="{00000001-5F0F-634C-9204-AFAFA6D7421A}"/>
-                </c:ext>
-              </c:extLst>
-            </c:dLbl>
-            <c:dLbl>
-              <c:idx val="1"/>
-              <c:layout>
-                <c:manualLayout>
-                  <c:x val="-0.27540248897516673"/>
-                  <c:y val="4.3116972422003429E-2"/>
-                </c:manualLayout>
-              </c:layout>
-              <c:showLegendKey val="0"/>
-              <c:showVal val="0"/>
-              <c:showCatName val="1"/>
-              <c:showSerName val="0"/>
-              <c:showPercent val="1"/>
-              <c:showBubbleSize val="0"/>
-              <c:extLst>
-                <c:ext xmlns:c15="http://schemas.microsoft.com/office/drawing/2012/chart" uri="{CE6537A1-D6FC-4f65-9D91-7224C49458BB}"/>
-                <c:ext xmlns:c16="http://schemas.microsoft.com/office/drawing/2014/chart" uri="{C3380CC4-5D6E-409C-BE32-E72D297353CC}">
-                  <c16:uniqueId val="{00000002-5F0F-634C-9204-AFAFA6D7421A}"/>
-                </c:ext>
-              </c:extLst>
-            </c:dLbl>
-            <c:spPr>
-              <a:solidFill>
-                <a:prstClr val="white"/>
-              </a:solidFill>
-              <a:ln>
-                <a:solidFill>
-                  <a:prstClr val="black">
-                    <a:lumMod val="25000"/>
-                    <a:lumOff val="75000"/>
-                  </a:prstClr>
-                </a:solidFill>
-              </a:ln>
-              <a:effectLst/>
-            </c:spPr>
-            <c:txPr>
-              <a:bodyPr rot="0" spcFirstLastPara="1" vertOverflow="clip" horzOverflow="clip" vert="horz" wrap="square" lIns="38100" tIns="19050" rIns="38100" bIns="19050" anchor="ctr" anchorCtr="1">
-                <a:spAutoFit/>
-              </a:bodyPr>
-              <a:lstStyle/>
-              <a:p>
-                <a:pPr>
-                  <a:defRPr sz="1197" b="0" i="0" u="none" strike="noStrike" kern="1200" baseline="0">
-                    <a:solidFill>
-                      <a:schemeClr val="dk1">
-                        <a:lumMod val="65000"/>
-                        <a:lumOff val="35000"/>
-                      </a:schemeClr>
-                    </a:solidFill>
-                    <a:latin typeface="+mn-lt"/>
-                    <a:ea typeface="+mn-ea"/>
-                    <a:cs typeface="+mn-cs"/>
-                  </a:defRPr>
-                </a:pPr>
-                <a:endParaRPr lang="ja-JP"/>
-              </a:p>
-            </c:txPr>
-            <c:showLegendKey val="0"/>
-            <c:showVal val="0"/>
-            <c:showCatName val="1"/>
-            <c:showSerName val="0"/>
-            <c:showPercent val="1"/>
-            <c:showBubbleSize val="0"/>
-            <c:showLeaderLines val="0"/>
-            <c:extLst>
-              <c:ext xmlns:c15="http://schemas.microsoft.com/office/drawing/2012/chart" uri="{CE6537A1-D6FC-4f65-9D91-7224C49458BB}">
-                <c15:spPr xmlns:c15="http://schemas.microsoft.com/office/drawing/2012/chart">
-                  <a:prstGeom prst="wedgeRectCallout">
-                    <a:avLst/>
-                  </a:prstGeom>
-                  <a:noFill/>
-                  <a:ln>
-                    <a:noFill/>
-                  </a:ln>
-                </c15:spPr>
-              </c:ext>
-            </c:extLst>
-          </c:dLbls>
           <c:cat>
             <c:strRef>
               <c:f>Sheet1!$A$2:$A$3</c:f>
@@ -993,6 +899,362 @@
         </a:p>
       </c:txPr>
     </c:legend>
+    <c:plotVisOnly val="1"/>
+    <c:dispBlanksAs val="gap"/>
+    <c:extLst>
+      <c:ext xmlns:c16r3="http://schemas.microsoft.com/office/drawing/2017/03/chart" uri="{56B9EC1D-385E-4148-901F-78D8002777C0}">
+        <c16r3:dataDisplayOptions16>
+          <c16r3:dispNaAsBlank val="1"/>
+        </c16r3:dataDisplayOptions16>
+      </c:ext>
+    </c:extLst>
+    <c:showDLblsOverMax val="0"/>
+  </c:chart>
+  <c:spPr>
+    <a:noFill/>
+    <a:ln>
+      <a:noFill/>
+    </a:ln>
+    <a:effectLst/>
+  </c:spPr>
+  <c:txPr>
+    <a:bodyPr/>
+    <a:lstStyle/>
+    <a:p>
+      <a:pPr>
+        <a:defRPr/>
+      </a:pPr>
+      <a:endParaRPr lang="ja-JP"/>
+    </a:p>
+  </c:txPr>
+  <c:externalData r:id="rId3">
+    <c:autoUpdate val="0"/>
+  </c:externalData>
+</c:chartSpace>
+</file>
+
+<file path=ppt/charts/chart4.xml><?xml version="1.0" encoding="utf-8"?>
+<c:chartSpace xmlns:c="http://schemas.openxmlformats.org/drawingml/2006/chart" xmlns:a="http://schemas.openxmlformats.org/drawingml/2006/main" xmlns:r="http://schemas.openxmlformats.org/officeDocument/2006/relationships" xmlns:c16r2="http://schemas.microsoft.com/office/drawing/2015/06/chart">
+  <c:date1904 val="0"/>
+  <c:lang val="ja-JP"/>
+  <c:roundedCorners val="0"/>
+  <mc:AlternateContent xmlns:mc="http://schemas.openxmlformats.org/markup-compatibility/2006">
+    <mc:Choice xmlns:c14="http://schemas.microsoft.com/office/drawing/2007/8/2/chart" Requires="c14">
+      <c14:style val="102"/>
+    </mc:Choice>
+    <mc:Fallback>
+      <c:style val="2"/>
+    </mc:Fallback>
+  </mc:AlternateContent>
+  <c:chart>
+    <c:autoTitleDeleted val="1"/>
+    <c:plotArea>
+      <c:layout/>
+      <c:barChart>
+        <c:barDir val="bar"/>
+        <c:grouping val="stacked"/>
+        <c:varyColors val="0"/>
+        <c:ser>
+          <c:idx val="0"/>
+          <c:order val="0"/>
+          <c:tx>
+            <c:strRef>
+              <c:f>Sheet1!$B$1</c:f>
+              <c:strCache>
+                <c:ptCount val="1"/>
+                <c:pt idx="0">
+                  <c:v>系列 1</c:v>
+                </c:pt>
+              </c:strCache>
+            </c:strRef>
+          </c:tx>
+          <c:spPr>
+            <a:gradFill flip="none" rotWithShape="1">
+              <a:gsLst>
+                <a:gs pos="0">
+                  <a:srgbClr val="002060"/>
+                </a:gs>
+                <a:gs pos="50000">
+                  <a:srgbClr val="0070C0"/>
+                </a:gs>
+                <a:gs pos="100000">
+                  <a:srgbClr val="0070C0"/>
+                </a:gs>
+              </a:gsLst>
+              <a:lin ang="2700000" scaled="1"/>
+              <a:tileRect/>
+            </a:gradFill>
+            <a:ln>
+              <a:noFill/>
+            </a:ln>
+            <a:effectLst/>
+          </c:spPr>
+          <c:invertIfNegative val="0"/>
+          <c:cat>
+            <c:strRef>
+              <c:f>Sheet1!$A$2:$A$20</c:f>
+              <c:strCache>
+                <c:ptCount val="19"/>
+                <c:pt idx="0">
+                  <c:v>Azure              </c:v>
+                </c:pt>
+                <c:pt idx="1">
+                  <c:v>Microsoft          </c:v>
+                </c:pt>
+                <c:pt idx="2">
+                  <c:v>OpenAI             </c:v>
+                </c:pt>
+                <c:pt idx="3">
+                  <c:v>C#                 </c:v>
+                </c:pt>
+                <c:pt idx="4">
+                  <c:v>.NET               </c:v>
+                </c:pt>
+                <c:pt idx="5">
+                  <c:v>ChatGPT            </c:v>
+                </c:pt>
+                <c:pt idx="6">
+                  <c:v>Security           </c:v>
+                </c:pt>
+                <c:pt idx="7">
+                  <c:v>network            </c:v>
+                </c:pt>
+                <c:pt idx="8">
+                  <c:v>PowerShell         </c:v>
+                </c:pt>
+                <c:pt idx="9">
+                  <c:v>Semantic Kernel    </c:v>
+                </c:pt>
+                <c:pt idx="10">
+                  <c:v>Azure AD           </c:v>
+                </c:pt>
+                <c:pt idx="11">
+                  <c:v>vm                 </c:v>
+                </c:pt>
+                <c:pt idx="12">
+                  <c:v>Bicep              </c:v>
+                </c:pt>
+                <c:pt idx="13">
+                  <c:v>OpenAI API         </c:v>
+                </c:pt>
+                <c:pt idx="14">
+                  <c:v>Blazor             </c:v>
+                </c:pt>
+                <c:pt idx="15">
+                  <c:v>azurefiles         </c:v>
+                </c:pt>
+                <c:pt idx="16">
+                  <c:v>expressroute       </c:v>
+                </c:pt>
+                <c:pt idx="17">
+                  <c:v>Python             </c:v>
+                </c:pt>
+                <c:pt idx="18">
+                  <c:v>IaC </c:v>
+                </c:pt>
+              </c:strCache>
+            </c:strRef>
+          </c:cat>
+          <c:val>
+            <c:numRef>
+              <c:f>Sheet1!$B$2:$B$20</c:f>
+              <c:numCache>
+                <c:formatCode>General</c:formatCode>
+                <c:ptCount val="19"/>
+                <c:pt idx="0">
+                  <c:v>240</c:v>
+                </c:pt>
+                <c:pt idx="1">
+                  <c:v>93</c:v>
+                </c:pt>
+                <c:pt idx="2">
+                  <c:v>69</c:v>
+                </c:pt>
+                <c:pt idx="3">
+                  <c:v>46</c:v>
+                </c:pt>
+                <c:pt idx="4">
+                  <c:v>41</c:v>
+                </c:pt>
+                <c:pt idx="5">
+                  <c:v>34</c:v>
+                </c:pt>
+                <c:pt idx="6">
+                  <c:v>26</c:v>
+                </c:pt>
+                <c:pt idx="7">
+                  <c:v>25</c:v>
+                </c:pt>
+                <c:pt idx="8">
+                  <c:v>21</c:v>
+                </c:pt>
+                <c:pt idx="9">
+                  <c:v>20</c:v>
+                </c:pt>
+                <c:pt idx="10">
+                  <c:v>17</c:v>
+                </c:pt>
+                <c:pt idx="11">
+                  <c:v>15</c:v>
+                </c:pt>
+                <c:pt idx="12">
+                  <c:v>14</c:v>
+                </c:pt>
+                <c:pt idx="13">
+                  <c:v>12</c:v>
+                </c:pt>
+                <c:pt idx="14">
+                  <c:v>11</c:v>
+                </c:pt>
+                <c:pt idx="15">
+                  <c:v>9</c:v>
+                </c:pt>
+                <c:pt idx="16">
+                  <c:v>9</c:v>
+                </c:pt>
+                <c:pt idx="17">
+                  <c:v>9</c:v>
+                </c:pt>
+                <c:pt idx="18">
+                  <c:v>8</c:v>
+                </c:pt>
+              </c:numCache>
+            </c:numRef>
+          </c:val>
+          <c:extLst>
+            <c:ext xmlns:c16="http://schemas.microsoft.com/office/drawing/2014/chart" uri="{C3380CC4-5D6E-409C-BE32-E72D297353CC}">
+              <c16:uniqueId val="{00000000-59F6-5F48-B551-94AFAD052F56}"/>
+            </c:ext>
+          </c:extLst>
+        </c:ser>
+        <c:dLbls>
+          <c:showLegendKey val="0"/>
+          <c:showVal val="0"/>
+          <c:showCatName val="0"/>
+          <c:showSerName val="0"/>
+          <c:showPercent val="0"/>
+          <c:showBubbleSize val="0"/>
+        </c:dLbls>
+        <c:gapWidth val="150"/>
+        <c:overlap val="100"/>
+        <c:axId val="1142131232"/>
+        <c:axId val="1142132960"/>
+      </c:barChart>
+      <c:catAx>
+        <c:axId val="1142131232"/>
+        <c:scaling>
+          <c:orientation val="minMax"/>
+        </c:scaling>
+        <c:delete val="0"/>
+        <c:axPos val="l"/>
+        <c:numFmt formatCode="General" sourceLinked="1"/>
+        <c:majorTickMark val="none"/>
+        <c:minorTickMark val="none"/>
+        <c:tickLblPos val="nextTo"/>
+        <c:spPr>
+          <a:noFill/>
+          <a:ln w="9525" cap="flat" cmpd="sng" algn="ctr">
+            <a:solidFill>
+              <a:schemeClr val="tx1">
+                <a:lumMod val="15000"/>
+                <a:lumOff val="85000"/>
+              </a:schemeClr>
+            </a:solidFill>
+            <a:round/>
+          </a:ln>
+          <a:effectLst/>
+        </c:spPr>
+        <c:txPr>
+          <a:bodyPr rot="-60000000" spcFirstLastPara="1" vertOverflow="ellipsis" vert="horz" wrap="square" anchor="ctr" anchorCtr="1"/>
+          <a:lstStyle/>
+          <a:p>
+            <a:pPr>
+              <a:defRPr sz="1197" b="0" i="0" u="none" strike="noStrike" kern="1200" baseline="0">
+                <a:solidFill>
+                  <a:schemeClr val="tx1">
+                    <a:lumMod val="65000"/>
+                    <a:lumOff val="35000"/>
+                  </a:schemeClr>
+                </a:solidFill>
+                <a:latin typeface="+mn-lt"/>
+                <a:ea typeface="+mn-ea"/>
+                <a:cs typeface="+mn-cs"/>
+              </a:defRPr>
+            </a:pPr>
+            <a:endParaRPr lang="ja-JP"/>
+          </a:p>
+        </c:txPr>
+        <c:crossAx val="1142132960"/>
+        <c:crosses val="autoZero"/>
+        <c:auto val="1"/>
+        <c:lblAlgn val="ctr"/>
+        <c:lblOffset val="100"/>
+        <c:noMultiLvlLbl val="0"/>
+      </c:catAx>
+      <c:valAx>
+        <c:axId val="1142132960"/>
+        <c:scaling>
+          <c:orientation val="minMax"/>
+        </c:scaling>
+        <c:delete val="0"/>
+        <c:axPos val="b"/>
+        <c:majorGridlines>
+          <c:spPr>
+            <a:ln w="9525" cap="flat" cmpd="sng" algn="ctr">
+              <a:solidFill>
+                <a:schemeClr val="tx1">
+                  <a:lumMod val="15000"/>
+                  <a:lumOff val="85000"/>
+                </a:schemeClr>
+              </a:solidFill>
+              <a:round/>
+            </a:ln>
+            <a:effectLst/>
+          </c:spPr>
+        </c:majorGridlines>
+        <c:numFmt formatCode="General" sourceLinked="1"/>
+        <c:majorTickMark val="none"/>
+        <c:minorTickMark val="none"/>
+        <c:tickLblPos val="nextTo"/>
+        <c:spPr>
+          <a:noFill/>
+          <a:ln>
+            <a:noFill/>
+          </a:ln>
+          <a:effectLst/>
+        </c:spPr>
+        <c:txPr>
+          <a:bodyPr rot="-60000000" spcFirstLastPara="1" vertOverflow="ellipsis" vert="horz" wrap="square" anchor="ctr" anchorCtr="1"/>
+          <a:lstStyle/>
+          <a:p>
+            <a:pPr>
+              <a:defRPr sz="1197" b="0" i="0" u="none" strike="noStrike" kern="1200" baseline="0">
+                <a:solidFill>
+                  <a:schemeClr val="tx1">
+                    <a:lumMod val="65000"/>
+                    <a:lumOff val="35000"/>
+                  </a:schemeClr>
+                </a:solidFill>
+                <a:latin typeface="+mn-lt"/>
+                <a:ea typeface="+mn-ea"/>
+                <a:cs typeface="+mn-cs"/>
+              </a:defRPr>
+            </a:pPr>
+            <a:endParaRPr lang="ja-JP"/>
+          </a:p>
+        </c:txPr>
+        <c:crossAx val="1142131232"/>
+        <c:crosses val="autoZero"/>
+        <c:crossBetween val="between"/>
+      </c:valAx>
+      <c:spPr>
+        <a:noFill/>
+        <a:ln>
+          <a:noFill/>
+        </a:ln>
+        <a:effectLst/>
+      </c:spPr>
+    </c:plotArea>
     <c:plotVisOnly val="1"/>
     <c:dispBlanksAs val="gap"/>
     <c:extLst>
@@ -1144,6 +1406,46 @@
 </cs:colorStyle>
 </file>
 
+<file path=ppt/charts/colors4.xml><?xml version="1.0" encoding="utf-8"?>
+<cs:colorStyle xmlns:cs="http://schemas.microsoft.com/office/drawing/2012/chartStyle" xmlns:a="http://schemas.openxmlformats.org/drawingml/2006/main" meth="cycle" id="10">
+  <a:schemeClr val="accent1"/>
+  <a:schemeClr val="accent2"/>
+  <a:schemeClr val="accent3"/>
+  <a:schemeClr val="accent4"/>
+  <a:schemeClr val="accent5"/>
+  <a:schemeClr val="accent6"/>
+  <cs:variation/>
+  <cs:variation>
+    <a:lumMod val="60000"/>
+  </cs:variation>
+  <cs:variation>
+    <a:lumMod val="80000"/>
+    <a:lumOff val="20000"/>
+  </cs:variation>
+  <cs:variation>
+    <a:lumMod val="80000"/>
+  </cs:variation>
+  <cs:variation>
+    <a:lumMod val="60000"/>
+    <a:lumOff val="40000"/>
+  </cs:variation>
+  <cs:variation>
+    <a:lumMod val="50000"/>
+  </cs:variation>
+  <cs:variation>
+    <a:lumMod val="70000"/>
+    <a:lumOff val="30000"/>
+  </cs:variation>
+  <cs:variation>
+    <a:lumMod val="70000"/>
+  </cs:variation>
+  <cs:variation>
+    <a:lumMod val="50000"/>
+    <a:lumOff val="50000"/>
+  </cs:variation>
+</cs:colorStyle>
+</file>
+
 <file path=ppt/charts/style1.xml><?xml version="1.0" encoding="utf-8"?>
 <cs:chartStyle xmlns:cs="http://schemas.microsoft.com/office/drawing/2012/chartStyle" xmlns:a="http://schemas.openxmlformats.org/drawingml/2006/main" id="227">
   <cs:axisTitle>
@@ -2342,6 +2644,511 @@
       <cs:styleClr val="auto"/>
     </cs:lnRef>
     <cs:fillRef idx="0"/>
+    <cs:effectRef idx="0"/>
+    <cs:fontRef idx="minor">
+      <a:schemeClr val="tx1"/>
+    </cs:fontRef>
+    <cs:spPr>
+      <a:ln w="9525" cap="rnd">
+        <a:solidFill>
+          <a:schemeClr val="phClr"/>
+        </a:solidFill>
+        <a:round/>
+      </a:ln>
+    </cs:spPr>
+  </cs:dataPointWireframe>
+  <cs:dataTable>
+    <cs:lnRef idx="0"/>
+    <cs:fillRef idx="0"/>
+    <cs:effectRef idx="0"/>
+    <cs:fontRef idx="minor">
+      <a:schemeClr val="tx1">
+        <a:lumMod val="65000"/>
+        <a:lumOff val="35000"/>
+      </a:schemeClr>
+    </cs:fontRef>
+    <cs:spPr>
+      <a:noFill/>
+      <a:ln w="9525" cap="flat" cmpd="sng" algn="ctr">
+        <a:solidFill>
+          <a:schemeClr val="tx1">
+            <a:lumMod val="15000"/>
+            <a:lumOff val="85000"/>
+          </a:schemeClr>
+        </a:solidFill>
+        <a:round/>
+      </a:ln>
+    </cs:spPr>
+    <cs:defRPr sz="1197" kern="1200"/>
+  </cs:dataTable>
+  <cs:downBar>
+    <cs:lnRef idx="0"/>
+    <cs:fillRef idx="0"/>
+    <cs:effectRef idx="0"/>
+    <cs:fontRef idx="minor">
+      <a:schemeClr val="tx1"/>
+    </cs:fontRef>
+    <cs:spPr>
+      <a:solidFill>
+        <a:schemeClr val="dk1">
+          <a:lumMod val="75000"/>
+          <a:lumOff val="25000"/>
+        </a:schemeClr>
+      </a:solidFill>
+      <a:ln w="9525" cap="flat" cmpd="sng" algn="ctr">
+        <a:solidFill>
+          <a:schemeClr val="tx1">
+            <a:lumMod val="65000"/>
+            <a:lumOff val="35000"/>
+          </a:schemeClr>
+        </a:solidFill>
+        <a:round/>
+      </a:ln>
+    </cs:spPr>
+  </cs:downBar>
+  <cs:dropLine>
+    <cs:lnRef idx="0"/>
+    <cs:fillRef idx="0"/>
+    <cs:effectRef idx="0"/>
+    <cs:fontRef idx="minor">
+      <a:schemeClr val="tx1"/>
+    </cs:fontRef>
+    <cs:spPr>
+      <a:ln w="9525" cap="flat" cmpd="sng" algn="ctr">
+        <a:solidFill>
+          <a:schemeClr val="tx1">
+            <a:lumMod val="35000"/>
+            <a:lumOff val="65000"/>
+          </a:schemeClr>
+        </a:solidFill>
+        <a:round/>
+      </a:ln>
+    </cs:spPr>
+  </cs:dropLine>
+  <cs:errorBar>
+    <cs:lnRef idx="0"/>
+    <cs:fillRef idx="0"/>
+    <cs:effectRef idx="0"/>
+    <cs:fontRef idx="minor">
+      <a:schemeClr val="tx1"/>
+    </cs:fontRef>
+    <cs:spPr>
+      <a:ln w="9525" cap="flat" cmpd="sng" algn="ctr">
+        <a:solidFill>
+          <a:schemeClr val="tx1">
+            <a:lumMod val="65000"/>
+            <a:lumOff val="35000"/>
+          </a:schemeClr>
+        </a:solidFill>
+        <a:round/>
+      </a:ln>
+    </cs:spPr>
+  </cs:errorBar>
+  <cs:floor>
+    <cs:lnRef idx="0"/>
+    <cs:fillRef idx="0"/>
+    <cs:effectRef idx="0"/>
+    <cs:fontRef idx="minor">
+      <a:schemeClr val="tx1"/>
+    </cs:fontRef>
+    <cs:spPr>
+      <a:noFill/>
+      <a:ln>
+        <a:noFill/>
+      </a:ln>
+    </cs:spPr>
+  </cs:floor>
+  <cs:gridlineMajor>
+    <cs:lnRef idx="0"/>
+    <cs:fillRef idx="0"/>
+    <cs:effectRef idx="0"/>
+    <cs:fontRef idx="minor">
+      <a:schemeClr val="tx1"/>
+    </cs:fontRef>
+    <cs:spPr>
+      <a:ln w="9525" cap="flat" cmpd="sng" algn="ctr">
+        <a:solidFill>
+          <a:schemeClr val="tx1">
+            <a:lumMod val="15000"/>
+            <a:lumOff val="85000"/>
+          </a:schemeClr>
+        </a:solidFill>
+        <a:round/>
+      </a:ln>
+    </cs:spPr>
+  </cs:gridlineMajor>
+  <cs:gridlineMinor>
+    <cs:lnRef idx="0"/>
+    <cs:fillRef idx="0"/>
+    <cs:effectRef idx="0"/>
+    <cs:fontRef idx="minor">
+      <a:schemeClr val="tx1"/>
+    </cs:fontRef>
+    <cs:spPr>
+      <a:ln w="9525" cap="flat" cmpd="sng" algn="ctr">
+        <a:solidFill>
+          <a:schemeClr val="tx1">
+            <a:lumMod val="5000"/>
+            <a:lumOff val="95000"/>
+          </a:schemeClr>
+        </a:solidFill>
+        <a:round/>
+      </a:ln>
+    </cs:spPr>
+  </cs:gridlineMinor>
+  <cs:hiLoLine>
+    <cs:lnRef idx="0"/>
+    <cs:fillRef idx="0"/>
+    <cs:effectRef idx="0"/>
+    <cs:fontRef idx="minor">
+      <a:schemeClr val="tx1"/>
+    </cs:fontRef>
+    <cs:spPr>
+      <a:ln w="9525" cap="flat" cmpd="sng" algn="ctr">
+        <a:solidFill>
+          <a:schemeClr val="tx1">
+            <a:lumMod val="50000"/>
+            <a:lumOff val="50000"/>
+          </a:schemeClr>
+        </a:solidFill>
+        <a:round/>
+      </a:ln>
+    </cs:spPr>
+  </cs:hiLoLine>
+  <cs:leaderLine>
+    <cs:lnRef idx="0"/>
+    <cs:fillRef idx="0"/>
+    <cs:effectRef idx="0"/>
+    <cs:fontRef idx="minor">
+      <a:schemeClr val="tx1"/>
+    </cs:fontRef>
+    <cs:spPr>
+      <a:ln w="9525" cap="flat" cmpd="sng" algn="ctr">
+        <a:solidFill>
+          <a:schemeClr val="tx1">
+            <a:lumMod val="35000"/>
+            <a:lumOff val="65000"/>
+          </a:schemeClr>
+        </a:solidFill>
+        <a:round/>
+      </a:ln>
+    </cs:spPr>
+  </cs:leaderLine>
+  <cs:legend>
+    <cs:lnRef idx="0"/>
+    <cs:fillRef idx="0"/>
+    <cs:effectRef idx="0"/>
+    <cs:fontRef idx="minor">
+      <a:schemeClr val="tx1">
+        <a:lumMod val="65000"/>
+        <a:lumOff val="35000"/>
+      </a:schemeClr>
+    </cs:fontRef>
+    <cs:defRPr sz="1197" kern="1200"/>
+  </cs:legend>
+  <cs:plotArea mods="allowNoFillOverride allowNoLineOverride">
+    <cs:lnRef idx="0"/>
+    <cs:fillRef idx="0"/>
+    <cs:effectRef idx="0"/>
+    <cs:fontRef idx="minor">
+      <a:schemeClr val="tx1"/>
+    </cs:fontRef>
+  </cs:plotArea>
+  <cs:plotArea3D mods="allowNoFillOverride allowNoLineOverride">
+    <cs:lnRef idx="0"/>
+    <cs:fillRef idx="0"/>
+    <cs:effectRef idx="0"/>
+    <cs:fontRef idx="minor">
+      <a:schemeClr val="tx1"/>
+    </cs:fontRef>
+  </cs:plotArea3D>
+  <cs:seriesAxis>
+    <cs:lnRef idx="0"/>
+    <cs:fillRef idx="0"/>
+    <cs:effectRef idx="0"/>
+    <cs:fontRef idx="minor">
+      <a:schemeClr val="tx1">
+        <a:lumMod val="65000"/>
+        <a:lumOff val="35000"/>
+      </a:schemeClr>
+    </cs:fontRef>
+    <cs:defRPr sz="1197" kern="1200"/>
+  </cs:seriesAxis>
+  <cs:seriesLine>
+    <cs:lnRef idx="0"/>
+    <cs:fillRef idx="0"/>
+    <cs:effectRef idx="0"/>
+    <cs:fontRef idx="minor">
+      <a:schemeClr val="tx1"/>
+    </cs:fontRef>
+    <cs:spPr>
+      <a:ln w="9525" cap="flat" cmpd="sng" algn="ctr">
+        <a:solidFill>
+          <a:schemeClr val="tx1">
+            <a:lumMod val="35000"/>
+            <a:lumOff val="65000"/>
+          </a:schemeClr>
+        </a:solidFill>
+        <a:round/>
+      </a:ln>
+    </cs:spPr>
+  </cs:seriesLine>
+  <cs:title>
+    <cs:lnRef idx="0"/>
+    <cs:fillRef idx="0"/>
+    <cs:effectRef idx="0"/>
+    <cs:fontRef idx="minor">
+      <a:schemeClr val="tx1">
+        <a:lumMod val="65000"/>
+        <a:lumOff val="35000"/>
+      </a:schemeClr>
+    </cs:fontRef>
+    <cs:defRPr sz="1862" b="0" kern="1200" spc="0" baseline="0"/>
+  </cs:title>
+  <cs:trendline>
+    <cs:lnRef idx="0">
+      <cs:styleClr val="auto"/>
+    </cs:lnRef>
+    <cs:fillRef idx="0"/>
+    <cs:effectRef idx="0"/>
+    <cs:fontRef idx="minor">
+      <a:schemeClr val="tx1"/>
+    </cs:fontRef>
+    <cs:spPr>
+      <a:ln w="19050" cap="rnd">
+        <a:solidFill>
+          <a:schemeClr val="phClr"/>
+        </a:solidFill>
+        <a:prstDash val="sysDot"/>
+      </a:ln>
+    </cs:spPr>
+  </cs:trendline>
+  <cs:trendlineLabel>
+    <cs:lnRef idx="0"/>
+    <cs:fillRef idx="0"/>
+    <cs:effectRef idx="0"/>
+    <cs:fontRef idx="minor">
+      <a:schemeClr val="tx1">
+        <a:lumMod val="65000"/>
+        <a:lumOff val="35000"/>
+      </a:schemeClr>
+    </cs:fontRef>
+    <cs:defRPr sz="1197" kern="1200"/>
+  </cs:trendlineLabel>
+  <cs:upBar>
+    <cs:lnRef idx="0"/>
+    <cs:fillRef idx="0"/>
+    <cs:effectRef idx="0"/>
+    <cs:fontRef idx="minor">
+      <a:schemeClr val="tx1"/>
+    </cs:fontRef>
+    <cs:spPr>
+      <a:solidFill>
+        <a:schemeClr val="lt1"/>
+      </a:solidFill>
+      <a:ln w="9525" cap="flat" cmpd="sng" algn="ctr">
+        <a:solidFill>
+          <a:schemeClr val="tx1">
+            <a:lumMod val="65000"/>
+            <a:lumOff val="35000"/>
+          </a:schemeClr>
+        </a:solidFill>
+        <a:round/>
+      </a:ln>
+    </cs:spPr>
+  </cs:upBar>
+  <cs:valueAxis>
+    <cs:lnRef idx="0"/>
+    <cs:fillRef idx="0"/>
+    <cs:effectRef idx="0"/>
+    <cs:fontRef idx="minor">
+      <a:schemeClr val="tx1">
+        <a:lumMod val="65000"/>
+        <a:lumOff val="35000"/>
+      </a:schemeClr>
+    </cs:fontRef>
+    <cs:defRPr sz="1197" kern="1200"/>
+  </cs:valueAxis>
+  <cs:wall>
+    <cs:lnRef idx="0"/>
+    <cs:fillRef idx="0"/>
+    <cs:effectRef idx="0"/>
+    <cs:fontRef idx="minor">
+      <a:schemeClr val="tx1"/>
+    </cs:fontRef>
+    <cs:spPr>
+      <a:noFill/>
+      <a:ln>
+        <a:noFill/>
+      </a:ln>
+    </cs:spPr>
+  </cs:wall>
+</cs:chartStyle>
+</file>
+
+<file path=ppt/charts/style4.xml><?xml version="1.0" encoding="utf-8"?>
+<cs:chartStyle xmlns:cs="http://schemas.microsoft.com/office/drawing/2012/chartStyle" xmlns:a="http://schemas.openxmlformats.org/drawingml/2006/main" id="297">
+  <cs:axisTitle>
+    <cs:lnRef idx="0"/>
+    <cs:fillRef idx="0"/>
+    <cs:effectRef idx="0"/>
+    <cs:fontRef idx="minor">
+      <a:schemeClr val="tx1">
+        <a:lumMod val="65000"/>
+        <a:lumOff val="35000"/>
+      </a:schemeClr>
+    </cs:fontRef>
+    <cs:defRPr sz="1330" kern="1200"/>
+  </cs:axisTitle>
+  <cs:categoryAxis>
+    <cs:lnRef idx="0"/>
+    <cs:fillRef idx="0"/>
+    <cs:effectRef idx="0"/>
+    <cs:fontRef idx="minor">
+      <a:schemeClr val="tx1">
+        <a:lumMod val="65000"/>
+        <a:lumOff val="35000"/>
+      </a:schemeClr>
+    </cs:fontRef>
+    <cs:spPr>
+      <a:ln w="9525" cap="flat" cmpd="sng" algn="ctr">
+        <a:solidFill>
+          <a:schemeClr val="tx1">
+            <a:lumMod val="15000"/>
+            <a:lumOff val="85000"/>
+          </a:schemeClr>
+        </a:solidFill>
+        <a:round/>
+      </a:ln>
+    </cs:spPr>
+    <cs:defRPr sz="1197" kern="1200"/>
+  </cs:categoryAxis>
+  <cs:chartArea mods="allowNoFillOverride allowNoLineOverride">
+    <cs:lnRef idx="0"/>
+    <cs:fillRef idx="0"/>
+    <cs:effectRef idx="0"/>
+    <cs:fontRef idx="minor">
+      <a:schemeClr val="tx1"/>
+    </cs:fontRef>
+    <cs:spPr>
+      <a:solidFill>
+        <a:schemeClr val="bg1"/>
+      </a:solidFill>
+      <a:ln w="9525" cap="flat" cmpd="sng" algn="ctr">
+        <a:solidFill>
+          <a:schemeClr val="tx1">
+            <a:lumMod val="15000"/>
+            <a:lumOff val="85000"/>
+          </a:schemeClr>
+        </a:solidFill>
+        <a:round/>
+      </a:ln>
+    </cs:spPr>
+    <cs:defRPr sz="1330" kern="1200"/>
+  </cs:chartArea>
+  <cs:dataLabel>
+    <cs:lnRef idx="0"/>
+    <cs:fillRef idx="0"/>
+    <cs:effectRef idx="0"/>
+    <cs:fontRef idx="minor">
+      <a:schemeClr val="tx1">
+        <a:lumMod val="75000"/>
+        <a:lumOff val="25000"/>
+      </a:schemeClr>
+    </cs:fontRef>
+    <cs:defRPr sz="1197" kern="1200"/>
+  </cs:dataLabel>
+  <cs:dataLabelCallout>
+    <cs:lnRef idx="0"/>
+    <cs:fillRef idx="0"/>
+    <cs:effectRef idx="0"/>
+    <cs:fontRef idx="minor">
+      <a:schemeClr val="dk1">
+        <a:lumMod val="65000"/>
+        <a:lumOff val="35000"/>
+      </a:schemeClr>
+    </cs:fontRef>
+    <cs:spPr>
+      <a:solidFill>
+        <a:schemeClr val="lt1"/>
+      </a:solidFill>
+      <a:ln>
+        <a:solidFill>
+          <a:schemeClr val="dk1">
+            <a:lumMod val="25000"/>
+            <a:lumOff val="75000"/>
+          </a:schemeClr>
+        </a:solidFill>
+      </a:ln>
+    </cs:spPr>
+    <cs:defRPr sz="1197" kern="1200"/>
+    <cs:bodyPr rot="0" spcFirstLastPara="1" vertOverflow="clip" horzOverflow="clip" vert="horz" wrap="square" lIns="36576" tIns="18288" rIns="36576" bIns="18288" anchor="ctr" anchorCtr="1">
+      <a:spAutoFit/>
+    </cs:bodyPr>
+  </cs:dataLabelCallout>
+  <cs:dataPoint>
+    <cs:lnRef idx="0"/>
+    <cs:fillRef idx="1">
+      <cs:styleClr val="auto"/>
+    </cs:fillRef>
+    <cs:effectRef idx="0"/>
+    <cs:fontRef idx="minor">
+      <a:schemeClr val="tx1"/>
+    </cs:fontRef>
+  </cs:dataPoint>
+  <cs:dataPoint3D>
+    <cs:lnRef idx="0"/>
+    <cs:fillRef idx="1">
+      <cs:styleClr val="auto"/>
+    </cs:fillRef>
+    <cs:effectRef idx="0"/>
+    <cs:fontRef idx="minor">
+      <a:schemeClr val="tx1"/>
+    </cs:fontRef>
+  </cs:dataPoint3D>
+  <cs:dataPointLine>
+    <cs:lnRef idx="0">
+      <cs:styleClr val="auto"/>
+    </cs:lnRef>
+    <cs:fillRef idx="1"/>
+    <cs:effectRef idx="0"/>
+    <cs:fontRef idx="minor">
+      <a:schemeClr val="tx1"/>
+    </cs:fontRef>
+    <cs:spPr>
+      <a:ln w="28575" cap="rnd">
+        <a:solidFill>
+          <a:schemeClr val="phClr"/>
+        </a:solidFill>
+        <a:round/>
+      </a:ln>
+    </cs:spPr>
+  </cs:dataPointLine>
+  <cs:dataPointMarker>
+    <cs:lnRef idx="0">
+      <cs:styleClr val="auto"/>
+    </cs:lnRef>
+    <cs:fillRef idx="1">
+      <cs:styleClr val="auto"/>
+    </cs:fillRef>
+    <cs:effectRef idx="0"/>
+    <cs:fontRef idx="minor">
+      <a:schemeClr val="tx1"/>
+    </cs:fontRef>
+    <cs:spPr>
+      <a:ln w="9525">
+        <a:solidFill>
+          <a:schemeClr val="phClr"/>
+        </a:solidFill>
+      </a:ln>
+    </cs:spPr>
+  </cs:dataPointMarker>
+  <cs:dataPointMarkerLayout symbol="circle" size="5"/>
+  <cs:dataPointWireframe>
+    <cs:lnRef idx="0">
+      <cs:styleClr val="auto"/>
+    </cs:lnRef>
+    <cs:fillRef idx="1"/>
     <cs:effectRef idx="0"/>
     <cs:fontRef idx="minor">
       <a:schemeClr val="tx1"/>
@@ -2831,7 +3638,7 @@
           <a:p>
             <a:fld id="{54B02C74-34BD-0148-A7A7-F68D012730E0}" type="datetimeFigureOut">
               <a:rPr kumimoji="1" lang="ja-JP" altLang="en-US" smtClean="0"/>
-              <a:t>2023/11/28</a:t>
+              <a:t>2023/11/29</a:t>
             </a:fld>
             <a:endParaRPr kumimoji="1" lang="ja-JP" altLang="en-US"/>
           </a:p>
@@ -3061,7 +3868,7 @@
           <a:p>
             <a:fld id="{54B02C74-34BD-0148-A7A7-F68D012730E0}" type="datetimeFigureOut">
               <a:rPr kumimoji="1" lang="ja-JP" altLang="en-US" smtClean="0"/>
-              <a:t>2023/11/28</a:t>
+              <a:t>2023/11/29</a:t>
             </a:fld>
             <a:endParaRPr kumimoji="1" lang="ja-JP" altLang="en-US"/>
           </a:p>
@@ -3301,7 +4108,7 @@
           <a:p>
             <a:fld id="{54B02C74-34BD-0148-A7A7-F68D012730E0}" type="datetimeFigureOut">
               <a:rPr kumimoji="1" lang="ja-JP" altLang="en-US" smtClean="0"/>
-              <a:t>2023/11/28</a:t>
+              <a:t>2023/11/29</a:t>
             </a:fld>
             <a:endParaRPr kumimoji="1" lang="ja-JP" altLang="en-US"/>
           </a:p>
@@ -3531,7 +4338,7 @@
           <a:p>
             <a:fld id="{54B02C74-34BD-0148-A7A7-F68D012730E0}" type="datetimeFigureOut">
               <a:rPr kumimoji="1" lang="ja-JP" altLang="en-US" smtClean="0"/>
-              <a:t>2023/11/28</a:t>
+              <a:t>2023/11/29</a:t>
             </a:fld>
             <a:endParaRPr kumimoji="1" lang="ja-JP" altLang="en-US"/>
           </a:p>
@@ -3806,7 +4613,7 @@
           <a:p>
             <a:fld id="{54B02C74-34BD-0148-A7A7-F68D012730E0}" type="datetimeFigureOut">
               <a:rPr kumimoji="1" lang="ja-JP" altLang="en-US" smtClean="0"/>
-              <a:t>2023/11/28</a:t>
+              <a:t>2023/11/29</a:t>
             </a:fld>
             <a:endParaRPr kumimoji="1" lang="ja-JP" altLang="en-US"/>
           </a:p>
@@ -4135,7 +4942,7 @@
           <a:p>
             <a:fld id="{54B02C74-34BD-0148-A7A7-F68D012730E0}" type="datetimeFigureOut">
               <a:rPr kumimoji="1" lang="ja-JP" altLang="en-US" smtClean="0"/>
-              <a:t>2023/11/28</a:t>
+              <a:t>2023/11/29</a:t>
             </a:fld>
             <a:endParaRPr kumimoji="1" lang="ja-JP" altLang="en-US"/>
           </a:p>
@@ -4611,7 +5418,7 @@
           <a:p>
             <a:fld id="{54B02C74-34BD-0148-A7A7-F68D012730E0}" type="datetimeFigureOut">
               <a:rPr kumimoji="1" lang="ja-JP" altLang="en-US" smtClean="0"/>
-              <a:t>2023/11/28</a:t>
+              <a:t>2023/11/29</a:t>
             </a:fld>
             <a:endParaRPr kumimoji="1" lang="ja-JP" altLang="en-US"/>
           </a:p>
@@ -4752,7 +5559,7 @@
           <a:p>
             <a:fld id="{54B02C74-34BD-0148-A7A7-F68D012730E0}" type="datetimeFigureOut">
               <a:rPr kumimoji="1" lang="ja-JP" altLang="en-US" smtClean="0"/>
-              <a:t>2023/11/28</a:t>
+              <a:t>2023/11/29</a:t>
             </a:fld>
             <a:endParaRPr kumimoji="1" lang="ja-JP" altLang="en-US"/>
           </a:p>
@@ -4865,7 +5672,7 @@
           <a:p>
             <a:fld id="{54B02C74-34BD-0148-A7A7-F68D012730E0}" type="datetimeFigureOut">
               <a:rPr kumimoji="1" lang="ja-JP" altLang="en-US" smtClean="0"/>
-              <a:t>2023/11/28</a:t>
+              <a:t>2023/11/29</a:t>
             </a:fld>
             <a:endParaRPr kumimoji="1" lang="ja-JP" altLang="en-US"/>
           </a:p>
@@ -5208,7 +6015,7 @@
           <a:p>
             <a:fld id="{54B02C74-34BD-0148-A7A7-F68D012730E0}" type="datetimeFigureOut">
               <a:rPr kumimoji="1" lang="ja-JP" altLang="en-US" smtClean="0"/>
-              <a:t>2023/11/28</a:t>
+              <a:t>2023/11/29</a:t>
             </a:fld>
             <a:endParaRPr kumimoji="1" lang="ja-JP" altLang="en-US"/>
           </a:p>
@@ -5496,7 +6303,7 @@
           <a:p>
             <a:fld id="{54B02C74-34BD-0148-A7A7-F68D012730E0}" type="datetimeFigureOut">
               <a:rPr kumimoji="1" lang="ja-JP" altLang="en-US" smtClean="0"/>
-              <a:t>2023/11/28</a:t>
+              <a:t>2023/11/29</a:t>
             </a:fld>
             <a:endParaRPr kumimoji="1" lang="ja-JP" altLang="en-US"/>
           </a:p>
@@ -5798,7 +6605,7 @@
           <a:p>
             <a:fld id="{54B02C74-34BD-0148-A7A7-F68D012730E0}" type="datetimeFigureOut">
               <a:rPr kumimoji="1" lang="ja-JP" altLang="en-US" smtClean="0"/>
-              <a:t>2023/11/28</a:t>
+              <a:t>2023/11/29</a:t>
             </a:fld>
             <a:endParaRPr kumimoji="1" lang="ja-JP" altLang="en-US"/>
           </a:p>
@@ -7080,7 +7887,7 @@
           <p:nvPr>
             <p:extLst>
               <p:ext uri="{D42A27DB-BD31-4B8C-83A1-F6EECF244321}">
-                <p14:modId xmlns:p14="http://schemas.microsoft.com/office/powerpoint/2010/main" val="3299895740"/>
+                <p14:modId xmlns:p14="http://schemas.microsoft.com/office/powerpoint/2010/main" val="4267092950"/>
               </p:ext>
             </p:extLst>
           </p:nvPr>
@@ -7099,6 +7906,118 @@
     <p:extLst>
       <p:ext uri="{BB962C8B-B14F-4D97-AF65-F5344CB8AC3E}">
         <p14:creationId xmlns:p14="http://schemas.microsoft.com/office/powerpoint/2010/main" val="786222199"/>
+      </p:ext>
+    </p:extLst>
+  </p:cSld>
+  <p:clrMapOvr>
+    <a:masterClrMapping/>
+  </p:clrMapOvr>
+</p:sld>
+</file>
+
+<file path=ppt/slides/slide5.xml><?xml version="1.0" encoding="utf-8"?>
+<p:sld xmlns:a="http://schemas.openxmlformats.org/drawingml/2006/main" xmlns:r="http://schemas.openxmlformats.org/officeDocument/2006/relationships" xmlns:p="http://schemas.openxmlformats.org/presentationml/2006/main">
+  <p:cSld>
+    <p:spTree>
+      <p:nvGrpSpPr>
+        <p:cNvPr id="1" name=""/>
+        <p:cNvGrpSpPr/>
+        <p:nvPr/>
+      </p:nvGrpSpPr>
+      <p:grpSpPr>
+        <a:xfrm>
+          <a:off x="0" y="0"/>
+          <a:ext cx="0" cy="0"/>
+          <a:chOff x="0" y="0"/>
+          <a:chExt cx="0" cy="0"/>
+        </a:xfrm>
+      </p:grpSpPr>
+      <p:sp>
+        <p:nvSpPr>
+          <p:cNvPr id="6" name="正方形/長方形 5">
+            <a:extLst>
+              <a:ext uri="{FF2B5EF4-FFF2-40B4-BE49-F238E27FC236}">
+                <a16:creationId xmlns:a16="http://schemas.microsoft.com/office/drawing/2014/main" id="{4B1CD531-51E3-97AA-D415-06340FE6DE98}"/>
+              </a:ext>
+            </a:extLst>
+          </p:cNvPr>
+          <p:cNvSpPr/>
+          <p:nvPr/>
+        </p:nvSpPr>
+        <p:spPr>
+          <a:xfrm>
+            <a:off x="362607" y="236483"/>
+            <a:ext cx="11466786" cy="6385034"/>
+          </a:xfrm>
+          <a:prstGeom prst="rect">
+            <a:avLst/>
+          </a:prstGeom>
+          <a:solidFill>
+            <a:srgbClr val="FFFFFF">
+              <a:alpha val="34902"/>
+            </a:srgbClr>
+          </a:solidFill>
+          <a:ln>
+            <a:noFill/>
+          </a:ln>
+        </p:spPr>
+        <p:style>
+          <a:lnRef idx="2">
+            <a:schemeClr val="accent1">
+              <a:shade val="15000"/>
+            </a:schemeClr>
+          </a:lnRef>
+          <a:fillRef idx="1">
+            <a:schemeClr val="accent1"/>
+          </a:fillRef>
+          <a:effectRef idx="0">
+            <a:schemeClr val="accent1"/>
+          </a:effectRef>
+          <a:fontRef idx="minor">
+            <a:schemeClr val="lt1"/>
+          </a:fontRef>
+        </p:style>
+        <p:txBody>
+          <a:bodyPr rtlCol="0" anchor="ctr"/>
+          <a:lstStyle/>
+          <a:p>
+            <a:pPr algn="ctr"/>
+            <a:endParaRPr kumimoji="1" lang="ja-JP" altLang="en-US"/>
+          </a:p>
+        </p:txBody>
+      </p:sp>
+      <p:graphicFrame>
+        <p:nvGraphicFramePr>
+          <p:cNvPr id="2" name="グラフ 1">
+            <a:extLst>
+              <a:ext uri="{FF2B5EF4-FFF2-40B4-BE49-F238E27FC236}">
+                <a16:creationId xmlns:a16="http://schemas.microsoft.com/office/drawing/2014/main" id="{EB6967B3-1979-A688-FC9B-DD9E1E586CDE}"/>
+              </a:ext>
+            </a:extLst>
+          </p:cNvPr>
+          <p:cNvGraphicFramePr/>
+          <p:nvPr>
+            <p:extLst>
+              <p:ext uri="{D42A27DB-BD31-4B8C-83A1-F6EECF244321}">
+                <p14:modId xmlns:p14="http://schemas.microsoft.com/office/powerpoint/2010/main" val="4244274421"/>
+              </p:ext>
+            </p:extLst>
+          </p:nvPr>
+        </p:nvGraphicFramePr>
+        <p:xfrm>
+          <a:off x="644633" y="467418"/>
+          <a:ext cx="10906235" cy="5922872"/>
+        </p:xfrm>
+        <a:graphic>
+          <a:graphicData uri="http://schemas.openxmlformats.org/drawingml/2006/chart">
+            <c:chart xmlns:c="http://schemas.openxmlformats.org/drawingml/2006/chart" xmlns:r="http://schemas.openxmlformats.org/officeDocument/2006/relationships" r:id="rId2"/>
+          </a:graphicData>
+        </a:graphic>
+      </p:graphicFrame>
+    </p:spTree>
+    <p:extLst>
+      <p:ext uri="{BB962C8B-B14F-4D97-AF65-F5344CB8AC3E}">
+        <p14:creationId xmlns:p14="http://schemas.microsoft.com/office/powerpoint/2010/main" val="52867385"/>
       </p:ext>
     </p:extLst>
   </p:cSld>

--- a/images/ms-pub-2023-looking-back/summary.pptx
+++ b/images/ms-pub-2023-looking-back/summary.pptx
@@ -4,12 +4,17 @@
   <p:sldMasterIdLst>
     <p:sldMasterId id="2147483648" r:id="rId1"/>
   </p:sldMasterIdLst>
+  <p:notesMasterIdLst>
+    <p:notesMasterId r:id="rId9"/>
+  </p:notesMasterIdLst>
   <p:sldIdLst>
     <p:sldId id="256" r:id="rId2"/>
     <p:sldId id="257" r:id="rId3"/>
-    <p:sldId id="258" r:id="rId4"/>
-    <p:sldId id="259" r:id="rId5"/>
-    <p:sldId id="260" r:id="rId6"/>
+    <p:sldId id="261" r:id="rId4"/>
+    <p:sldId id="258" r:id="rId5"/>
+    <p:sldId id="259" r:id="rId6"/>
+    <p:sldId id="262" r:id="rId7"/>
+    <p:sldId id="260" r:id="rId8"/>
   </p:sldIdLst>
   <p:sldSz cx="12192000" cy="6858000"/>
   <p:notesSz cx="6858000" cy="9144000"/>
@@ -145,7 +150,7 @@
               <c:strCache>
                 <c:ptCount val="1"/>
                 <c:pt idx="0">
-                  <c:v>閲覧数</c:v>
+                  <c:v>PV数</c:v>
                 </c:pt>
               </c:strCache>
             </c:strRef>
@@ -244,6 +249,9 @@
                 </c:pt>
                 <c:pt idx="10">
                   <c:v>65931</c:v>
+                </c:pt>
+                <c:pt idx="11" formatCode="General">
+                  <c:v>91484</c:v>
                 </c:pt>
               </c:numCache>
             </c:numRef>
@@ -429,7 +437,7 @@
       <c:layout/>
       <c:barChart>
         <c:barDir val="col"/>
-        <c:grouping val="stacked"/>
+        <c:grouping val="clustered"/>
         <c:varyColors val="0"/>
         <c:ser>
           <c:idx val="0"/>
@@ -440,13 +448,13 @@
               <c:strCache>
                 <c:ptCount val="1"/>
                 <c:pt idx="0">
-                  <c:v>系列 1</c:v>
+                  <c:v>PV数</c:v>
                 </c:pt>
               </c:strCache>
             </c:strRef>
           </c:tx>
           <c:spPr>
-            <a:gradFill flip="none" rotWithShape="1">
+            <a:gradFill>
               <a:gsLst>
                 <a:gs pos="100000">
                   <a:schemeClr val="tx2">
@@ -454,17 +462,13 @@
                     <a:lumOff val="10000"/>
                   </a:schemeClr>
                 </a:gs>
-                <a:gs pos="50000">
-                  <a:srgbClr val="0070C0"/>
-                </a:gs>
                 <a:gs pos="0">
                   <a:srgbClr val="00B0F0"/>
                 </a:gs>
               </a:gsLst>
               <a:lin ang="5400000" scaled="1"/>
-              <a:tileRect/>
             </a:gradFill>
-            <a:ln>
+            <a:ln w="44450">
               <a:noFill/>
             </a:ln>
             <a:effectLst/>
@@ -472,84 +476,96 @@
           <c:invertIfNegative val="0"/>
           <c:cat>
             <c:strRef>
-              <c:f>Sheet1!$A$2:$A$11</c:f>
+              <c:f>Sheet1!$A$2:$A$13</c:f>
               <c:strCache>
-                <c:ptCount val="10"/>
+                <c:ptCount val="12"/>
                 <c:pt idx="0">
-                  <c:v>🔥</c:v>
+                  <c:v>1月</c:v>
                 </c:pt>
                 <c:pt idx="1">
-                  <c:v>📑</c:v>
+                  <c:v>2月</c:v>
                 </c:pt>
                 <c:pt idx="2">
-                  <c:v>💪</c:v>
+                  <c:v>3月</c:v>
                 </c:pt>
                 <c:pt idx="3">
-                  <c:v>📝</c:v>
+                  <c:v>4月</c:v>
                 </c:pt>
                 <c:pt idx="4">
-                  <c:v>🐙</c:v>
+                  <c:v>5月</c:v>
                 </c:pt>
                 <c:pt idx="5">
-                  <c:v>👌</c:v>
+                  <c:v>6月</c:v>
                 </c:pt>
                 <c:pt idx="6">
-                  <c:v>💨</c:v>
+                  <c:v>7月</c:v>
                 </c:pt>
                 <c:pt idx="7">
-                  <c:v>📘</c:v>
+                  <c:v>8月</c:v>
                 </c:pt>
                 <c:pt idx="8">
-                  <c:v>🗣️</c:v>
+                  <c:v>9月</c:v>
                 </c:pt>
                 <c:pt idx="9">
-                  <c:v>📦</c:v>
+                  <c:v>10月</c:v>
+                </c:pt>
+                <c:pt idx="10">
+                  <c:v>11月</c:v>
+                </c:pt>
+                <c:pt idx="11">
+                  <c:v>12月</c:v>
                 </c:pt>
               </c:strCache>
             </c:strRef>
           </c:cat>
           <c:val>
             <c:numRef>
-              <c:f>Sheet1!$B$2:$B$11</c:f>
+              <c:f>Sheet1!$B$2:$B$13</c:f>
               <c:numCache>
-                <c:formatCode>General</c:formatCode>
-                <c:ptCount val="10"/>
+                <c:formatCode>#,##0</c:formatCode>
+                <c:ptCount val="12"/>
                 <c:pt idx="0">
-                  <c:v>8</c:v>
+                  <c:v>17595</c:v>
                 </c:pt>
                 <c:pt idx="1">
-                  <c:v>7</c:v>
+                  <c:v>21191</c:v>
                 </c:pt>
                 <c:pt idx="2">
-                  <c:v>7</c:v>
+                  <c:v>26607</c:v>
                 </c:pt>
                 <c:pt idx="3">
-                  <c:v>6</c:v>
+                  <c:v>49201</c:v>
                 </c:pt>
                 <c:pt idx="4">
-                  <c:v>5</c:v>
+                  <c:v>59800</c:v>
                 </c:pt>
                 <c:pt idx="5">
-                  <c:v>5</c:v>
+                  <c:v>67400</c:v>
                 </c:pt>
                 <c:pt idx="6">
-                  <c:v>5</c:v>
+                  <c:v>79128</c:v>
                 </c:pt>
                 <c:pt idx="7">
-                  <c:v>5</c:v>
+                  <c:v>58158</c:v>
                 </c:pt>
                 <c:pt idx="8">
-                  <c:v>5</c:v>
+                  <c:v>51743</c:v>
                 </c:pt>
                 <c:pt idx="9">
-                  <c:v>5</c:v>
+                  <c:v>54894</c:v>
+                </c:pt>
+                <c:pt idx="10">
+                  <c:v>65931</c:v>
+                </c:pt>
+                <c:pt idx="11" formatCode="General">
+                  <c:v>91484</c:v>
                 </c:pt>
               </c:numCache>
             </c:numRef>
           </c:val>
           <c:extLst>
             <c:ext xmlns:c16="http://schemas.microsoft.com/office/drawing/2014/chart" uri="{C3380CC4-5D6E-409C-BE32-E72D297353CC}">
-              <c16:uniqueId val="{00000000-D537-984B-B926-C0648249E4EE}"/>
+              <c16:uniqueId val="{00000000-B218-CE4C-AE52-D43BBA5A661A}"/>
             </c:ext>
           </c:extLst>
         </c:ser>
@@ -562,12 +578,169 @@
           <c:showBubbleSize val="0"/>
         </c:dLbls>
         <c:gapWidth val="150"/>
-        <c:overlap val="100"/>
-        <c:axId val="503288320"/>
-        <c:axId val="503290048"/>
+        <c:axId val="409467472"/>
+        <c:axId val="409469200"/>
       </c:barChart>
+      <c:lineChart>
+        <c:grouping val="standard"/>
+        <c:varyColors val="0"/>
+        <c:ser>
+          <c:idx val="1"/>
+          <c:order val="1"/>
+          <c:tx>
+            <c:strRef>
+              <c:f>Sheet1!$C$1</c:f>
+              <c:strCache>
+                <c:ptCount val="1"/>
+                <c:pt idx="0">
+                  <c:v>投稿数</c:v>
+                </c:pt>
+              </c:strCache>
+            </c:strRef>
+          </c:tx>
+          <c:spPr>
+            <a:ln w="38100" cap="rnd">
+              <a:gradFill flip="none" rotWithShape="1">
+                <a:gsLst>
+                  <a:gs pos="0">
+                    <a:schemeClr val="accent2">
+                      <a:lumMod val="67000"/>
+                    </a:schemeClr>
+                  </a:gs>
+                  <a:gs pos="48000">
+                    <a:schemeClr val="accent2">
+                      <a:lumMod val="97000"/>
+                      <a:lumOff val="3000"/>
+                    </a:schemeClr>
+                  </a:gs>
+                  <a:gs pos="100000">
+                    <a:schemeClr val="accent2">
+                      <a:lumMod val="60000"/>
+                      <a:lumOff val="40000"/>
+                    </a:schemeClr>
+                  </a:gs>
+                </a:gsLst>
+                <a:lin ang="16200000" scaled="1"/>
+                <a:tileRect/>
+              </a:gradFill>
+              <a:round/>
+            </a:ln>
+            <a:effectLst/>
+          </c:spPr>
+          <c:marker>
+            <c:symbol val="none"/>
+          </c:marker>
+          <c:cat>
+            <c:strRef>
+              <c:f>Sheet1!$A$2:$A$13</c:f>
+              <c:strCache>
+                <c:ptCount val="12"/>
+                <c:pt idx="0">
+                  <c:v>1月</c:v>
+                </c:pt>
+                <c:pt idx="1">
+                  <c:v>2月</c:v>
+                </c:pt>
+                <c:pt idx="2">
+                  <c:v>3月</c:v>
+                </c:pt>
+                <c:pt idx="3">
+                  <c:v>4月</c:v>
+                </c:pt>
+                <c:pt idx="4">
+                  <c:v>5月</c:v>
+                </c:pt>
+                <c:pt idx="5">
+                  <c:v>6月</c:v>
+                </c:pt>
+                <c:pt idx="6">
+                  <c:v>7月</c:v>
+                </c:pt>
+                <c:pt idx="7">
+                  <c:v>8月</c:v>
+                </c:pt>
+                <c:pt idx="8">
+                  <c:v>9月</c:v>
+                </c:pt>
+                <c:pt idx="9">
+                  <c:v>10月</c:v>
+                </c:pt>
+                <c:pt idx="10">
+                  <c:v>11月</c:v>
+                </c:pt>
+                <c:pt idx="11">
+                  <c:v>12月</c:v>
+                </c:pt>
+              </c:strCache>
+            </c:strRef>
+          </c:cat>
+          <c:val>
+            <c:numRef>
+              <c:f>Sheet1!$C$2:$C$13</c:f>
+              <c:numCache>
+                <c:formatCode>General</c:formatCode>
+                <c:ptCount val="12"/>
+                <c:pt idx="0">
+                  <c:v>17</c:v>
+                </c:pt>
+                <c:pt idx="1">
+                  <c:v>13</c:v>
+                </c:pt>
+                <c:pt idx="2">
+                  <c:v>22</c:v>
+                </c:pt>
+                <c:pt idx="3">
+                  <c:v>55</c:v>
+                </c:pt>
+                <c:pt idx="4">
+                  <c:v>68</c:v>
+                </c:pt>
+                <c:pt idx="5">
+                  <c:v>34</c:v>
+                </c:pt>
+                <c:pt idx="6">
+                  <c:v>24</c:v>
+                </c:pt>
+                <c:pt idx="7">
+                  <c:v>19</c:v>
+                </c:pt>
+                <c:pt idx="8">
+                  <c:v>11</c:v>
+                </c:pt>
+                <c:pt idx="9">
+                  <c:v>18</c:v>
+                </c:pt>
+                <c:pt idx="10">
+                  <c:v>26</c:v>
+                </c:pt>
+                <c:pt idx="11">
+                  <c:v>24</c:v>
+                </c:pt>
+              </c:numCache>
+            </c:numRef>
+          </c:val>
+          <c:smooth val="0"/>
+          <c:extLst>
+            <c:ext xmlns:c16="http://schemas.microsoft.com/office/drawing/2014/chart" uri="{C3380CC4-5D6E-409C-BE32-E72D297353CC}">
+              <c16:uniqueId val="{00000000-CD10-EB4A-9737-F10ADA8257F7}"/>
+            </c:ext>
+          </c:extLst>
+        </c:ser>
+        <c:dLbls>
+          <c:showLegendKey val="0"/>
+          <c:showVal val="0"/>
+          <c:showCatName val="0"/>
+          <c:showSerName val="0"/>
+          <c:showPercent val="0"/>
+          <c:showBubbleSize val="0"/>
+        </c:dLbls>
+        <c:marker val="1"/>
+        <c:smooth val="0"/>
+        <c:axId val="1728795231"/>
+        <c:axId val="1095129711"/>
+      </c:lineChart>
       <c:catAx>
-        <c:axId val="503288320"/>
+        <c:axId val="409467472"/>
         <c:scaling>
           <c:orientation val="minMax"/>
         </c:scaling>
@@ -595,12 +768,9 @@
           <a:lstStyle/>
           <a:p>
             <a:pPr>
-              <a:defRPr sz="3200" b="0" i="0" u="none" strike="noStrike" kern="1200" baseline="0">
+              <a:defRPr sz="2000" b="0" i="0" u="none" strike="noStrike" kern="1200" baseline="0">
                 <a:solidFill>
-                  <a:schemeClr val="tx1">
-                    <a:lumMod val="65000"/>
-                    <a:lumOff val="35000"/>
-                  </a:schemeClr>
+                  <a:schemeClr val="tx1"/>
                 </a:solidFill>
                 <a:latin typeface="+mn-lt"/>
                 <a:ea typeface="+mn-ea"/>
@@ -610,7 +780,7 @@
             <a:endParaRPr lang="ja-JP"/>
           </a:p>
         </c:txPr>
-        <c:crossAx val="503290048"/>
+        <c:crossAx val="409469200"/>
         <c:crosses val="autoZero"/>
         <c:auto val="1"/>
         <c:lblAlgn val="ctr"/>
@@ -618,7 +788,7 @@
         <c:noMultiLvlLbl val="0"/>
       </c:catAx>
       <c:valAx>
-        <c:axId val="503290048"/>
+        <c:axId val="409469200"/>
         <c:scaling>
           <c:orientation val="minMax"/>
         </c:scaling>
@@ -638,7 +808,7 @@
             <a:effectLst/>
           </c:spPr>
         </c:majorGridlines>
-        <c:numFmt formatCode="General" sourceLinked="1"/>
+        <c:numFmt formatCode="#,##0" sourceLinked="1"/>
         <c:majorTickMark val="none"/>
         <c:minorTickMark val="none"/>
         <c:tickLblPos val="nextTo"/>
@@ -654,7 +824,7 @@
           <a:lstStyle/>
           <a:p>
             <a:pPr>
-              <a:defRPr sz="2000" b="0" i="0" u="none" strike="noStrike" kern="1200" baseline="0">
+              <a:defRPr sz="1800" b="0" i="0" u="none" strike="noStrike" kern="1200" baseline="0">
                 <a:solidFill>
                   <a:schemeClr val="tx1"/>
                 </a:solidFill>
@@ -666,10 +836,70 @@
             <a:endParaRPr lang="ja-JP"/>
           </a:p>
         </c:txPr>
-        <c:crossAx val="503288320"/>
+        <c:crossAx val="409467472"/>
         <c:crosses val="autoZero"/>
         <c:crossBetween val="between"/>
       </c:valAx>
+      <c:valAx>
+        <c:axId val="1095129711"/>
+        <c:scaling>
+          <c:orientation val="minMax"/>
+        </c:scaling>
+        <c:delete val="0"/>
+        <c:axPos val="r"/>
+        <c:numFmt formatCode="General" sourceLinked="1"/>
+        <c:majorTickMark val="out"/>
+        <c:minorTickMark val="none"/>
+        <c:tickLblPos val="nextTo"/>
+        <c:spPr>
+          <a:noFill/>
+          <a:ln>
+            <a:noFill/>
+          </a:ln>
+          <a:effectLst/>
+        </c:spPr>
+        <c:txPr>
+          <a:bodyPr rot="-60000000" spcFirstLastPara="1" vertOverflow="ellipsis" vert="horz" wrap="square" anchor="ctr" anchorCtr="1"/>
+          <a:lstStyle/>
+          <a:p>
+            <a:pPr>
+              <a:defRPr sz="1197" b="0" i="0" u="none" strike="noStrike" kern="1200" baseline="0">
+                <a:solidFill>
+                  <a:schemeClr val="tx1">
+                    <a:lumMod val="65000"/>
+                    <a:lumOff val="35000"/>
+                  </a:schemeClr>
+                </a:solidFill>
+                <a:latin typeface="+mn-lt"/>
+                <a:ea typeface="+mn-ea"/>
+                <a:cs typeface="+mn-cs"/>
+              </a:defRPr>
+            </a:pPr>
+            <a:endParaRPr lang="ja-JP"/>
+          </a:p>
+        </c:txPr>
+        <c:crossAx val="1728795231"/>
+        <c:crosses val="max"/>
+        <c:crossBetween val="between"/>
+      </c:valAx>
+      <c:catAx>
+        <c:axId val="1728795231"/>
+        <c:scaling>
+          <c:orientation val="minMax"/>
+        </c:scaling>
+        <c:delete val="1"/>
+        <c:axPos val="b"/>
+        <c:numFmt formatCode="General" sourceLinked="1"/>
+        <c:majorTickMark val="out"/>
+        <c:minorTickMark val="none"/>
+        <c:tickLblPos val="nextTo"/>
+        <c:crossAx val="1095129711"/>
+        <c:crosses val="autoZero"/>
+        <c:auto val="1"/>
+        <c:lblAlgn val="ctr"/>
+        <c:lblOffset val="100"/>
+        <c:noMultiLvlLbl val="0"/>
+      </c:catAx>
       <c:spPr>
         <a:noFill/>
         <a:ln>
@@ -678,6 +908,37 @@
         <a:effectLst/>
       </c:spPr>
     </c:plotArea>
+    <c:legend>
+      <c:legendPos val="t"/>
+      <c:overlay val="0"/>
+      <c:spPr>
+        <a:noFill/>
+        <a:ln>
+          <a:noFill/>
+        </a:ln>
+        <a:effectLst/>
+      </c:spPr>
+      <c:txPr>
+        <a:bodyPr rot="0" spcFirstLastPara="1" vertOverflow="ellipsis" vert="horz" wrap="square" anchor="ctr" anchorCtr="1"/>
+        <a:lstStyle/>
+        <a:p>
+          <a:pPr>
+            <a:defRPr sz="1197" b="0" i="0" u="none" strike="noStrike" kern="1200" baseline="0">
+              <a:solidFill>
+                <a:schemeClr val="tx1">
+                  <a:lumMod val="65000"/>
+                  <a:lumOff val="35000"/>
+                </a:schemeClr>
+              </a:solidFill>
+              <a:latin typeface="+mn-lt"/>
+              <a:ea typeface="+mn-ea"/>
+              <a:cs typeface="+mn-cs"/>
+            </a:defRPr>
+          </a:pPr>
+          <a:endParaRPr lang="ja-JP"/>
+        </a:p>
+      </c:txPr>
+    </c:legend>
     <c:plotVisOnly val="1"/>
     <c:dispBlanksAs val="gap"/>
     <c:extLst>
@@ -729,6 +990,332 @@
     <c:autoTitleDeleted val="1"/>
     <c:plotArea>
       <c:layout/>
+      <c:barChart>
+        <c:barDir val="col"/>
+        <c:grouping val="stacked"/>
+        <c:varyColors val="0"/>
+        <c:ser>
+          <c:idx val="0"/>
+          <c:order val="0"/>
+          <c:tx>
+            <c:strRef>
+              <c:f>Sheet1!$B$1</c:f>
+              <c:strCache>
+                <c:ptCount val="1"/>
+                <c:pt idx="0">
+                  <c:v>系列 1</c:v>
+                </c:pt>
+              </c:strCache>
+            </c:strRef>
+          </c:tx>
+          <c:spPr>
+            <a:gradFill flip="none" rotWithShape="1">
+              <a:gsLst>
+                <a:gs pos="100000">
+                  <a:schemeClr val="tx2">
+                    <a:lumMod val="90000"/>
+                    <a:lumOff val="10000"/>
+                  </a:schemeClr>
+                </a:gs>
+                <a:gs pos="50000">
+                  <a:srgbClr val="0070C0"/>
+                </a:gs>
+                <a:gs pos="0">
+                  <a:srgbClr val="00B0F0"/>
+                </a:gs>
+              </a:gsLst>
+              <a:lin ang="5400000" scaled="1"/>
+              <a:tileRect/>
+            </a:gradFill>
+            <a:ln>
+              <a:noFill/>
+            </a:ln>
+            <a:effectLst/>
+          </c:spPr>
+          <c:invertIfNegative val="0"/>
+          <c:cat>
+            <c:strRef>
+              <c:f>Sheet1!$A$2:$A$15</c:f>
+              <c:strCache>
+                <c:ptCount val="14"/>
+                <c:pt idx="0">
+                  <c:v>🔥</c:v>
+                </c:pt>
+                <c:pt idx="1">
+                  <c:v>📑</c:v>
+                </c:pt>
+                <c:pt idx="2">
+                  <c:v>💪</c:v>
+                </c:pt>
+                <c:pt idx="3">
+                  <c:v>📝</c:v>
+                </c:pt>
+                <c:pt idx="4">
+                  <c:v>🐙</c:v>
+                </c:pt>
+                <c:pt idx="5">
+                  <c:v>👌</c:v>
+                </c:pt>
+                <c:pt idx="6">
+                  <c:v>💨</c:v>
+                </c:pt>
+                <c:pt idx="7">
+                  <c:v>📘</c:v>
+                </c:pt>
+                <c:pt idx="8">
+                  <c:v>🗣️</c:v>
+                </c:pt>
+                <c:pt idx="9">
+                  <c:v>📦</c:v>
+                </c:pt>
+                <c:pt idx="10">
+                  <c:v>🙆 </c:v>
+                </c:pt>
+                <c:pt idx="11">
+                  <c:v>📌 </c:v>
+                </c:pt>
+                <c:pt idx="12">
+                  <c:v>👌</c:v>
+                </c:pt>
+                <c:pt idx="13">
+                  <c:v>😊</c:v>
+                </c:pt>
+              </c:strCache>
+            </c:strRef>
+          </c:cat>
+          <c:val>
+            <c:numRef>
+              <c:f>Sheet1!$B$2:$B$15</c:f>
+              <c:numCache>
+                <c:formatCode>General</c:formatCode>
+                <c:ptCount val="14"/>
+                <c:pt idx="0">
+                  <c:v>8</c:v>
+                </c:pt>
+                <c:pt idx="1">
+                  <c:v>7</c:v>
+                </c:pt>
+                <c:pt idx="2">
+                  <c:v>7</c:v>
+                </c:pt>
+                <c:pt idx="3">
+                  <c:v>6</c:v>
+                </c:pt>
+                <c:pt idx="4">
+                  <c:v>5</c:v>
+                </c:pt>
+                <c:pt idx="5">
+                  <c:v>5</c:v>
+                </c:pt>
+                <c:pt idx="6">
+                  <c:v>5</c:v>
+                </c:pt>
+                <c:pt idx="7">
+                  <c:v>5</c:v>
+                </c:pt>
+                <c:pt idx="8">
+                  <c:v>5</c:v>
+                </c:pt>
+                <c:pt idx="9">
+                  <c:v>5</c:v>
+                </c:pt>
+                <c:pt idx="10">
+                  <c:v>5</c:v>
+                </c:pt>
+                <c:pt idx="11">
+                  <c:v>5</c:v>
+                </c:pt>
+                <c:pt idx="12">
+                  <c:v>5</c:v>
+                </c:pt>
+                <c:pt idx="13">
+                  <c:v>5</c:v>
+                </c:pt>
+              </c:numCache>
+            </c:numRef>
+          </c:val>
+          <c:extLst>
+            <c:ext xmlns:c16="http://schemas.microsoft.com/office/drawing/2014/chart" uri="{C3380CC4-5D6E-409C-BE32-E72D297353CC}">
+              <c16:uniqueId val="{00000000-D537-984B-B926-C0648249E4EE}"/>
+            </c:ext>
+          </c:extLst>
+        </c:ser>
+        <c:dLbls>
+          <c:showLegendKey val="0"/>
+          <c:showVal val="0"/>
+          <c:showCatName val="0"/>
+          <c:showSerName val="0"/>
+          <c:showPercent val="0"/>
+          <c:showBubbleSize val="0"/>
+        </c:dLbls>
+        <c:gapWidth val="150"/>
+        <c:overlap val="100"/>
+        <c:axId val="503288320"/>
+        <c:axId val="503290048"/>
+      </c:barChart>
+      <c:catAx>
+        <c:axId val="503288320"/>
+        <c:scaling>
+          <c:orientation val="minMax"/>
+        </c:scaling>
+        <c:delete val="0"/>
+        <c:axPos val="b"/>
+        <c:numFmt formatCode="General" sourceLinked="1"/>
+        <c:majorTickMark val="none"/>
+        <c:minorTickMark val="none"/>
+        <c:tickLblPos val="nextTo"/>
+        <c:spPr>
+          <a:noFill/>
+          <a:ln w="9525" cap="flat" cmpd="sng" algn="ctr">
+            <a:solidFill>
+              <a:schemeClr val="tx1">
+                <a:lumMod val="15000"/>
+                <a:lumOff val="85000"/>
+              </a:schemeClr>
+            </a:solidFill>
+            <a:round/>
+          </a:ln>
+          <a:effectLst/>
+        </c:spPr>
+        <c:txPr>
+          <a:bodyPr rot="0" spcFirstLastPara="1" vertOverflow="ellipsis" vert="wordArtVertRtl" wrap="square" anchor="ctr" anchorCtr="0"/>
+          <a:lstStyle/>
+          <a:p>
+            <a:pPr>
+              <a:defRPr sz="3200" b="0" i="0" u="none" strike="noStrike" kern="1200" baseline="0">
+                <a:solidFill>
+                  <a:schemeClr val="tx1">
+                    <a:lumMod val="65000"/>
+                    <a:lumOff val="35000"/>
+                  </a:schemeClr>
+                </a:solidFill>
+                <a:latin typeface="+mn-lt"/>
+                <a:ea typeface="+mn-ea"/>
+                <a:cs typeface="+mn-cs"/>
+              </a:defRPr>
+            </a:pPr>
+            <a:endParaRPr lang="ja-JP"/>
+          </a:p>
+        </c:txPr>
+        <c:crossAx val="503290048"/>
+        <c:crosses val="autoZero"/>
+        <c:auto val="1"/>
+        <c:lblAlgn val="ctr"/>
+        <c:lblOffset val="100"/>
+        <c:noMultiLvlLbl val="0"/>
+      </c:catAx>
+      <c:valAx>
+        <c:axId val="503290048"/>
+        <c:scaling>
+          <c:orientation val="minMax"/>
+        </c:scaling>
+        <c:delete val="0"/>
+        <c:axPos val="l"/>
+        <c:majorGridlines>
+          <c:spPr>
+            <a:ln w="9525" cap="flat" cmpd="sng" algn="ctr">
+              <a:solidFill>
+                <a:schemeClr val="tx1">
+                  <a:lumMod val="50000"/>
+                  <a:lumOff val="50000"/>
+                </a:schemeClr>
+              </a:solidFill>
+              <a:round/>
+            </a:ln>
+            <a:effectLst/>
+          </c:spPr>
+        </c:majorGridlines>
+        <c:numFmt formatCode="General" sourceLinked="1"/>
+        <c:majorTickMark val="none"/>
+        <c:minorTickMark val="none"/>
+        <c:tickLblPos val="nextTo"/>
+        <c:spPr>
+          <a:noFill/>
+          <a:ln>
+            <a:noFill/>
+          </a:ln>
+          <a:effectLst/>
+        </c:spPr>
+        <c:txPr>
+          <a:bodyPr rot="-60000000" spcFirstLastPara="1" vertOverflow="ellipsis" vert="horz" wrap="square" anchor="ctr" anchorCtr="1"/>
+          <a:lstStyle/>
+          <a:p>
+            <a:pPr>
+              <a:defRPr sz="2000" b="0" i="0" u="none" strike="noStrike" kern="1200" baseline="0">
+                <a:solidFill>
+                  <a:schemeClr val="tx1"/>
+                </a:solidFill>
+                <a:latin typeface="+mn-lt"/>
+                <a:ea typeface="+mn-ea"/>
+                <a:cs typeface="+mn-cs"/>
+              </a:defRPr>
+            </a:pPr>
+            <a:endParaRPr lang="ja-JP"/>
+          </a:p>
+        </c:txPr>
+        <c:crossAx val="503288320"/>
+        <c:crosses val="autoZero"/>
+        <c:crossBetween val="between"/>
+      </c:valAx>
+      <c:spPr>
+        <a:noFill/>
+        <a:ln>
+          <a:noFill/>
+        </a:ln>
+        <a:effectLst/>
+      </c:spPr>
+    </c:plotArea>
+    <c:plotVisOnly val="1"/>
+    <c:dispBlanksAs val="gap"/>
+    <c:extLst>
+      <c:ext xmlns:c16r3="http://schemas.microsoft.com/office/drawing/2017/03/chart" uri="{56B9EC1D-385E-4148-901F-78D8002777C0}">
+        <c16r3:dataDisplayOptions16>
+          <c16r3:dispNaAsBlank val="1"/>
+        </c16r3:dataDisplayOptions16>
+      </c:ext>
+    </c:extLst>
+    <c:showDLblsOverMax val="0"/>
+  </c:chart>
+  <c:spPr>
+    <a:noFill/>
+    <a:ln>
+      <a:noFill/>
+    </a:ln>
+    <a:effectLst/>
+  </c:spPr>
+  <c:txPr>
+    <a:bodyPr/>
+    <a:lstStyle/>
+    <a:p>
+      <a:pPr>
+        <a:defRPr/>
+      </a:pPr>
+      <a:endParaRPr lang="ja-JP"/>
+    </a:p>
+  </c:txPr>
+  <c:externalData r:id="rId3">
+    <c:autoUpdate val="0"/>
+  </c:externalData>
+</c:chartSpace>
+</file>
+
+<file path=ppt/charts/chart4.xml><?xml version="1.0" encoding="utf-8"?>
+<c:chartSpace xmlns:c="http://schemas.openxmlformats.org/drawingml/2006/chart" xmlns:a="http://schemas.openxmlformats.org/drawingml/2006/main" xmlns:r="http://schemas.openxmlformats.org/officeDocument/2006/relationships" xmlns:c16r2="http://schemas.microsoft.com/office/drawing/2015/06/chart">
+  <c:date1904 val="0"/>
+  <c:lang val="ja-JP"/>
+  <c:roundedCorners val="0"/>
+  <mc:AlternateContent xmlns:mc="http://schemas.openxmlformats.org/markup-compatibility/2006">
+    <mc:Choice xmlns:c14="http://schemas.microsoft.com/office/drawing/2007/8/2/chart" Requires="c14">
+      <c14:style val="102"/>
+    </mc:Choice>
+    <mc:Fallback>
+      <c:style val="2"/>
+    </mc:Fallback>
+  </mc:AlternateContent>
+  <c:chart>
+    <c:autoTitleDeleted val="1"/>
+    <c:plotArea>
+      <c:layout/>
       <c:doughnutChart>
         <c:varyColors val="1"/>
         <c:ser>
@@ -769,8 +1356,10 @@
                     <a:srgbClr val="00B0F0"/>
                   </a:gs>
                 </a:gsLst>
-                <a:lin ang="5400000" scaled="1"/>
-                <a:tileRect/>
+                <a:path path="circle">
+                  <a:fillToRect l="100000" t="100000"/>
+                </a:path>
+                <a:tileRect r="-100000" b="-100000"/>
               </a:gradFill>
               <a:ln w="19050">
                 <a:noFill/>
@@ -834,7 +1423,7 @@
                 <c:formatCode>General</c:formatCode>
                 <c:ptCount val="2"/>
                 <c:pt idx="0">
-                  <c:v>299</c:v>
+                  <c:v>325</c:v>
                 </c:pt>
                 <c:pt idx="1">
                   <c:v>6</c:v>
@@ -927,13 +1516,14 @@
       <a:endParaRPr lang="ja-JP"/>
     </a:p>
   </c:txPr>
-  <c:externalData r:id="rId3">
+  <c:externalData r:id="rId1">
     <c:autoUpdate val="0"/>
   </c:externalData>
+  <c:userShapes r:id="rId2"/>
 </c:chartSpace>
 </file>
 
-<file path=ppt/charts/chart4.xml><?xml version="1.0" encoding="utf-8"?>
+<file path=ppt/charts/chart5.xml><?xml version="1.0" encoding="utf-8"?>
 <c:chartSpace xmlns:c="http://schemas.openxmlformats.org/drawingml/2006/chart" xmlns:a="http://schemas.openxmlformats.org/drawingml/2006/main" xmlns:r="http://schemas.openxmlformats.org/officeDocument/2006/relationships" xmlns:c16r2="http://schemas.microsoft.com/office/drawing/2015/06/chart">
   <c:date1904 val="0"/>
   <c:lang val="ja-JP"/>
@@ -992,107 +1582,104 @@
           <c:invertIfNegative val="0"/>
           <c:cat>
             <c:strRef>
-              <c:f>Sheet1!$A$2:$A$20</c:f>
+              <c:f>Sheet1!$A$2:$A$19</c:f>
               <c:strCache>
-                <c:ptCount val="19"/>
+                <c:ptCount val="18"/>
                 <c:pt idx="0">
-                  <c:v>Azure              </c:v>
+                  <c:v>Azure</c:v>
                 </c:pt>
                 <c:pt idx="1">
-                  <c:v>Microsoft          </c:v>
+                  <c:v>Microsoft</c:v>
                 </c:pt>
                 <c:pt idx="2">
-                  <c:v>OpenAI             </c:v>
+                  <c:v>OpenAI</c:v>
                 </c:pt>
                 <c:pt idx="3">
-                  <c:v>C#                 </c:v>
+                  <c:v>C#</c:v>
                 </c:pt>
                 <c:pt idx="4">
-                  <c:v>.NET               </c:v>
+                  <c:v>.NET</c:v>
                 </c:pt>
                 <c:pt idx="5">
-                  <c:v>ChatGPT            </c:v>
+                  <c:v>ChatGPT</c:v>
                 </c:pt>
                 <c:pt idx="6">
-                  <c:v>Security           </c:v>
+                  <c:v>network</c:v>
                 </c:pt>
                 <c:pt idx="7">
-                  <c:v>network            </c:v>
+                  <c:v>Security</c:v>
                 </c:pt>
                 <c:pt idx="8">
-                  <c:v>PowerShell         </c:v>
+                  <c:v>PowerShell</c:v>
                 </c:pt>
                 <c:pt idx="9">
-                  <c:v>Semantic Kernel    </c:v>
+                  <c:v>Semantic Kernel</c:v>
                 </c:pt>
                 <c:pt idx="10">
-                  <c:v>Azure AD           </c:v>
+                  <c:v>Azure AD</c:v>
                 </c:pt>
                 <c:pt idx="11">
-                  <c:v>vm                 </c:v>
+                  <c:v>vm</c:v>
                 </c:pt>
                 <c:pt idx="12">
-                  <c:v>Bicep              </c:v>
+                  <c:v>Bicep</c:v>
                 </c:pt>
                 <c:pt idx="13">
-                  <c:v>OpenAI API         </c:v>
+                  <c:v>OpenAI API</c:v>
                 </c:pt>
                 <c:pt idx="14">
-                  <c:v>Blazor             </c:v>
+                  <c:v>Blazor</c:v>
                 </c:pt>
                 <c:pt idx="15">
-                  <c:v>azurefiles         </c:v>
+                  <c:v>azurefiles</c:v>
                 </c:pt>
                 <c:pt idx="16">
-                  <c:v>expressroute       </c:v>
+                  <c:v>Windows</c:v>
                 </c:pt>
                 <c:pt idx="17">
-                  <c:v>Python             </c:v>
-                </c:pt>
-                <c:pt idx="18">
-                  <c:v>IaC </c:v>
+                  <c:v>IaC</c:v>
                 </c:pt>
               </c:strCache>
             </c:strRef>
           </c:cat>
           <c:val>
             <c:numRef>
-              <c:f>Sheet1!$B$2:$B$20</c:f>
+              <c:f>Sheet1!$B$2:$B$19</c:f>
               <c:numCache>
                 <c:formatCode>General</c:formatCode>
-                <c:ptCount val="19"/>
+                <c:ptCount val="18"/>
                 <c:pt idx="0">
-                  <c:v>240</c:v>
+                  <c:v>260</c:v>
                 </c:pt>
                 <c:pt idx="1">
-                  <c:v>93</c:v>
+                  <c:v>105</c:v>
                 </c:pt>
                 <c:pt idx="2">
-                  <c:v>69</c:v>
+                  <c:v>77</c:v>
                 </c:pt>
                 <c:pt idx="3">
-                  <c:v>46</c:v>
+                  <c:v>49</c:v>
                 </c:pt>
                 <c:pt idx="4">
-                  <c:v>41</c:v>
+                  <c:v>43</c:v>
                 </c:pt>
                 <c:pt idx="5">
-                  <c:v>34</c:v>
+                  <c:v>35</c:v>
                 </c:pt>
                 <c:pt idx="6">
-                  <c:v>26</c:v>
+                  <c:v>29</c:v>
                 </c:pt>
                 <c:pt idx="7">
-                  <c:v>25</c:v>
+                  <c:v>27</c:v>
                 </c:pt>
                 <c:pt idx="8">
                   <c:v>21</c:v>
                 </c:pt>
                 <c:pt idx="9">
-                  <c:v>20</c:v>
+                  <c:v>21</c:v>
                 </c:pt>
                 <c:pt idx="10">
-                  <c:v>17</c:v>
+                  <c:v>18</c:v>
                 </c:pt>
                 <c:pt idx="11">
                   <c:v>15</c:v>
@@ -1101,10 +1688,10 @@
                   <c:v>14</c:v>
                 </c:pt>
                 <c:pt idx="13">
+                  <c:v>13</c:v>
+                </c:pt>
+                <c:pt idx="14">
                   <c:v>12</c:v>
-                </c:pt>
-                <c:pt idx="14">
-                  <c:v>11</c:v>
                 </c:pt>
                 <c:pt idx="15">
                   <c:v>9</c:v>
@@ -1114,9 +1701,6 @@
                 </c:pt>
                 <c:pt idx="17">
                   <c:v>9</c:v>
-                </c:pt>
-                <c:pt idx="18">
-                  <c:v>8</c:v>
                 </c:pt>
               </c:numCache>
             </c:numRef>
@@ -1169,7 +1753,7 @@
           <a:lstStyle/>
           <a:p>
             <a:pPr>
-              <a:defRPr sz="1197" b="0" i="0" u="none" strike="noStrike" kern="1200" baseline="0">
+              <a:defRPr sz="1197" b="1" i="0" u="none" strike="noStrike" kern="1200" baseline="0">
                 <a:solidFill>
                   <a:schemeClr val="tx1">
                     <a:lumMod val="65000"/>
@@ -1203,8 +1787,8 @@
             <a:ln w="9525" cap="flat" cmpd="sng" algn="ctr">
               <a:solidFill>
                 <a:schemeClr val="tx1">
-                  <a:lumMod val="15000"/>
-                  <a:lumOff val="85000"/>
+                  <a:lumMod val="50000"/>
+                  <a:lumOff val="50000"/>
                 </a:schemeClr>
               </a:solidFill>
               <a:round/>
@@ -1330,10 +1914,13 @@
 </file>
 
 <file path=ppt/charts/colors2.xml><?xml version="1.0" encoding="utf-8"?>
-<cs:colorStyle xmlns:cs="http://schemas.microsoft.com/office/drawing/2012/chartStyle" xmlns:a="http://schemas.openxmlformats.org/drawingml/2006/main" meth="cycle" id="13">
+<cs:colorStyle xmlns:cs="http://schemas.microsoft.com/office/drawing/2012/chartStyle" xmlns:a="http://schemas.openxmlformats.org/drawingml/2006/main" meth="cycle" id="10">
+  <a:schemeClr val="accent1"/>
+  <a:schemeClr val="accent2"/>
+  <a:schemeClr val="accent3"/>
+  <a:schemeClr val="accent4"/>
+  <a:schemeClr val="accent5"/>
   <a:schemeClr val="accent6"/>
-  <a:schemeClr val="accent5"/>
-  <a:schemeClr val="accent4"/>
   <cs:variation/>
   <cs:variation>
     <a:lumMod val="60000"/>
@@ -1367,13 +1954,10 @@
 </file>
 
 <file path=ppt/charts/colors3.xml><?xml version="1.0" encoding="utf-8"?>
-<cs:colorStyle xmlns:cs="http://schemas.microsoft.com/office/drawing/2012/chartStyle" xmlns:a="http://schemas.openxmlformats.org/drawingml/2006/main" meth="cycle" id="10">
-  <a:schemeClr val="accent1"/>
-  <a:schemeClr val="accent2"/>
-  <a:schemeClr val="accent3"/>
+<cs:colorStyle xmlns:cs="http://schemas.microsoft.com/office/drawing/2012/chartStyle" xmlns:a="http://schemas.openxmlformats.org/drawingml/2006/main" meth="cycle" id="13">
+  <a:schemeClr val="accent6"/>
+  <a:schemeClr val="accent5"/>
   <a:schemeClr val="accent4"/>
-  <a:schemeClr val="accent5"/>
-  <a:schemeClr val="accent6"/>
   <cs:variation/>
   <cs:variation>
     <a:lumMod val="60000"/>
@@ -1963,7 +2547,7 @@
 </file>
 
 <file path=ppt/charts/style2.xml><?xml version="1.0" encoding="utf-8"?>
-<cs:chartStyle xmlns:cs="http://schemas.microsoft.com/office/drawing/2012/chartStyle" xmlns:a="http://schemas.openxmlformats.org/drawingml/2006/main" id="297">
+<cs:chartStyle xmlns:cs="http://schemas.microsoft.com/office/drawing/2012/chartStyle" xmlns:a="http://schemas.openxmlformats.org/drawingml/2006/main" id="227">
   <cs:axisTitle>
     <cs:lnRef idx="0"/>
     <cs:fillRef idx="0"/>
@@ -2071,6 +2655,11 @@
     <cs:fontRef idx="minor">
       <a:schemeClr val="tx1"/>
     </cs:fontRef>
+    <cs:spPr>
+      <a:solidFill>
+        <a:schemeClr val="phClr"/>
+      </a:solidFill>
+    </cs:spPr>
   </cs:dataPoint>
   <cs:dataPoint3D>
     <cs:lnRef idx="0"/>
@@ -2081,6 +2670,11 @@
     <cs:fontRef idx="minor">
       <a:schemeClr val="tx1"/>
     </cs:fontRef>
+    <cs:spPr>
+      <a:solidFill>
+        <a:schemeClr val="phClr"/>
+      </a:solidFill>
+    </cs:spPr>
   </cs:dataPoint3D>
   <cs:dataPointLine>
     <cs:lnRef idx="0">
@@ -2112,6 +2706,9 @@
       <a:schemeClr val="tx1"/>
     </cs:fontRef>
     <cs:spPr>
+      <a:solidFill>
+        <a:schemeClr val="phClr"/>
+      </a:solidFill>
       <a:ln w="9525">
         <a:solidFill>
           <a:schemeClr val="phClr"/>
@@ -2167,23 +2764,22 @@
     <cs:fillRef idx="0"/>
     <cs:effectRef idx="0"/>
     <cs:fontRef idx="minor">
-      <a:schemeClr val="tx1"/>
+      <a:schemeClr val="dk1"/>
     </cs:fontRef>
     <cs:spPr>
       <a:solidFill>
         <a:schemeClr val="dk1">
-          <a:lumMod val="75000"/>
-          <a:lumOff val="25000"/>
+          <a:lumMod val="65000"/>
+          <a:lumOff val="35000"/>
         </a:schemeClr>
       </a:solidFill>
-      <a:ln w="9525" cap="flat" cmpd="sng" algn="ctr">
+      <a:ln w="9525">
         <a:solidFill>
           <a:schemeClr val="tx1">
             <a:lumMod val="65000"/>
             <a:lumOff val="35000"/>
           </a:schemeClr>
         </a:solidFill>
-        <a:round/>
       </a:ln>
     </cs:spPr>
   </cs:downBar>
@@ -2288,8 +2884,8 @@
       <a:ln w="9525" cap="flat" cmpd="sng" algn="ctr">
         <a:solidFill>
           <a:schemeClr val="tx1">
-            <a:lumMod val="50000"/>
-            <a:lumOff val="50000"/>
+            <a:lumMod val="75000"/>
+            <a:lumOff val="25000"/>
           </a:schemeClr>
         </a:solidFill>
         <a:round/>
@@ -2421,20 +3017,19 @@
     <cs:fillRef idx="0"/>
     <cs:effectRef idx="0"/>
     <cs:fontRef idx="minor">
-      <a:schemeClr val="tx1"/>
+      <a:schemeClr val="dk1"/>
     </cs:fontRef>
     <cs:spPr>
       <a:solidFill>
         <a:schemeClr val="lt1"/>
       </a:solidFill>
-      <a:ln w="9525" cap="flat" cmpd="sng" algn="ctr">
+      <a:ln w="9525">
         <a:solidFill>
           <a:schemeClr val="tx1">
-            <a:lumMod val="65000"/>
-            <a:lumOff val="35000"/>
+            <a:lumMod val="15000"/>
+            <a:lumOff val="85000"/>
           </a:schemeClr>
         </a:solidFill>
-        <a:round/>
       </a:ln>
     </cs:spPr>
   </cs:upBar>
@@ -2468,7 +3063,7 @@
 </file>
 
 <file path=ppt/charts/style3.xml><?xml version="1.0" encoding="utf-8"?>
-<cs:chartStyle xmlns:cs="http://schemas.microsoft.com/office/drawing/2012/chartStyle" xmlns:a="http://schemas.openxmlformats.org/drawingml/2006/main" id="251">
+<cs:chartStyle xmlns:cs="http://schemas.microsoft.com/office/drawing/2012/chartStyle" xmlns:a="http://schemas.openxmlformats.org/drawingml/2006/main" id="297">
   <cs:axisTitle>
     <cs:lnRef idx="0"/>
     <cs:fillRef idx="0"/>
@@ -2525,7 +3120,7 @@
         <a:round/>
       </a:ln>
     </cs:spPr>
-    <cs:defRPr sz="1197" kern="1200"/>
+    <cs:defRPr sz="1330" kern="1200"/>
   </cs:chartArea>
   <cs:dataLabel>
     <cs:lnRef idx="0"/>
@@ -2576,13 +3171,6 @@
     <cs:fontRef idx="minor">
       <a:schemeClr val="tx1"/>
     </cs:fontRef>
-    <cs:spPr>
-      <a:ln w="19050">
-        <a:solidFill>
-          <a:schemeClr val="lt1"/>
-        </a:solidFill>
-      </a:ln>
-    </cs:spPr>
   </cs:dataPoint>
   <cs:dataPoint3D>
     <cs:lnRef idx="0"/>
@@ -2593,19 +3181,12 @@
     <cs:fontRef idx="minor">
       <a:schemeClr val="tx1"/>
     </cs:fontRef>
-    <cs:spPr>
-      <a:ln w="25400">
-        <a:solidFill>
-          <a:schemeClr val="lt1"/>
-        </a:solidFill>
-      </a:ln>
-    </cs:spPr>
   </cs:dataPoint3D>
   <cs:dataPointLine>
     <cs:lnRef idx="0">
       <cs:styleClr val="auto"/>
     </cs:lnRef>
-    <cs:fillRef idx="0"/>
+    <cs:fillRef idx="1"/>
     <cs:effectRef idx="0"/>
     <cs:fontRef idx="minor">
       <a:schemeClr val="tx1"/>
@@ -2643,7 +3224,7 @@
     <cs:lnRef idx="0">
       <cs:styleClr val="auto"/>
     </cs:lnRef>
-    <cs:fillRef idx="0"/>
+    <cs:fillRef idx="1"/>
     <cs:effectRef idx="0"/>
     <cs:fontRef idx="minor">
       <a:schemeClr val="tx1"/>
@@ -3489,6 +4070,795 @@
     </cs:spPr>
   </cs:wall>
 </cs:chartStyle>
+</file>
+
+<file path=ppt/drawings/drawing1.xml><?xml version="1.0" encoding="utf-8"?>
+<c:userShapes xmlns:c="http://schemas.openxmlformats.org/drawingml/2006/chart">
+  <cdr:relSizeAnchor xmlns:cdr="http://schemas.openxmlformats.org/drawingml/2006/chartDrawing">
+    <cdr:from>
+      <cdr:x>0.72557</cdr:x>
+      <cdr:y>0.72168</cdr:y>
+    </cdr:from>
+    <cdr:to>
+      <cdr:x>0.83436</cdr:x>
+      <cdr:y>0.78903</cdr:y>
+    </cdr:to>
+    <cdr:sp macro="" textlink="">
+      <cdr:nvSpPr>
+        <cdr:cNvPr id="2" name="線吹き出し 1 (枠付き) 1">
+          <a:extLst xmlns:a="http://schemas.openxmlformats.org/drawingml/2006/main">
+            <a:ext uri="{FF2B5EF4-FFF2-40B4-BE49-F238E27FC236}">
+              <a16:creationId xmlns:a16="http://schemas.microsoft.com/office/drawing/2014/main" id="{237283C1-9343-2DB7-1107-CAA74142E13D}"/>
+            </a:ext>
+          </a:extLst>
+        </cdr:cNvPr>
+        <cdr:cNvSpPr/>
+      </cdr:nvSpPr>
+      <cdr:spPr>
+        <a:xfrm xmlns:a="http://schemas.openxmlformats.org/drawingml/2006/main">
+          <a:off x="7579957" y="4479204"/>
+          <a:ext cx="1136468" cy="418012"/>
+        </a:xfrm>
+        <a:prstGeom xmlns:a="http://schemas.openxmlformats.org/drawingml/2006/main" prst="borderCallout1">
+          <a:avLst>
+            <a:gd name="adj1" fmla="val 18750"/>
+            <a:gd name="adj2" fmla="val -8333"/>
+            <a:gd name="adj3" fmla="val -3125"/>
+            <a:gd name="adj4" fmla="val -86609"/>
+          </a:avLst>
+        </a:prstGeom>
+        <a:solidFill xmlns:a="http://schemas.openxmlformats.org/drawingml/2006/main">
+          <a:srgbClr val="00B0F0"/>
+        </a:solidFill>
+        <a:ln xmlns:a="http://schemas.openxmlformats.org/drawingml/2006/main">
+          <a:solidFill>
+            <a:srgbClr val="00B0F0"/>
+          </a:solidFill>
+        </a:ln>
+      </cdr:spPr>
+      <cdr:style>
+        <a:lnRef xmlns:a="http://schemas.openxmlformats.org/drawingml/2006/main" idx="2">
+          <a:schemeClr val="accent1">
+            <a:shade val="15000"/>
+          </a:schemeClr>
+        </a:lnRef>
+        <a:fillRef xmlns:a="http://schemas.openxmlformats.org/drawingml/2006/main" idx="1">
+          <a:schemeClr val="accent1"/>
+        </a:fillRef>
+        <a:effectRef xmlns:a="http://schemas.openxmlformats.org/drawingml/2006/main" idx="0">
+          <a:schemeClr val="accent1"/>
+        </a:effectRef>
+        <a:fontRef xmlns:a="http://schemas.openxmlformats.org/drawingml/2006/main" idx="minor">
+          <a:schemeClr val="lt1"/>
+        </a:fontRef>
+      </cdr:style>
+      <cdr:txBody>
+        <a:bodyPr xmlns:a="http://schemas.openxmlformats.org/drawingml/2006/main" vertOverflow="clip" anchor="ctr"/>
+        <a:lstStyle xmlns:a="http://schemas.openxmlformats.org/drawingml/2006/main"/>
+        <a:p xmlns:a="http://schemas.openxmlformats.org/drawingml/2006/main">
+          <a:pPr algn="ctr"/>
+          <a:r>
+            <a:rPr lang="en-US" altLang="ja-JP" sz="2400" b="1" dirty="0"/>
+            <a:t>325</a:t>
+          </a:r>
+          <a:endParaRPr lang="ja-JP" sz="2400" b="1"/>
+        </a:p>
+      </cdr:txBody>
+    </cdr:sp>
+  </cdr:relSizeAnchor>
+  <cdr:relSizeAnchor xmlns:cdr="http://schemas.openxmlformats.org/drawingml/2006/chartDrawing">
+    <cdr:from>
+      <cdr:x>0.05331</cdr:x>
+      <cdr:y>0.06608</cdr:y>
+    </cdr:from>
+    <cdr:to>
+      <cdr:x>0.1621</cdr:x>
+      <cdr:y>0.13343</cdr:y>
+    </cdr:to>
+    <cdr:sp macro="" textlink="">
+      <cdr:nvSpPr>
+        <cdr:cNvPr id="3" name="線吹き出し 1 (枠付き) 2">
+          <a:extLst xmlns:a="http://schemas.openxmlformats.org/drawingml/2006/main">
+            <a:ext uri="{FF2B5EF4-FFF2-40B4-BE49-F238E27FC236}">
+              <a16:creationId xmlns:a16="http://schemas.microsoft.com/office/drawing/2014/main" id="{545B1A00-3D25-8547-4295-C7CEA76ACDF0}"/>
+            </a:ext>
+          </a:extLst>
+        </cdr:cNvPr>
+        <cdr:cNvSpPr/>
+      </cdr:nvSpPr>
+      <cdr:spPr>
+        <a:xfrm xmlns:a="http://schemas.openxmlformats.org/drawingml/2006/main">
+          <a:off x="556942" y="410124"/>
+          <a:ext cx="1136468" cy="418012"/>
+        </a:xfrm>
+        <a:prstGeom xmlns:a="http://schemas.openxmlformats.org/drawingml/2006/main" prst="borderCallout1">
+          <a:avLst>
+            <a:gd name="adj1" fmla="val 34375"/>
+            <a:gd name="adj2" fmla="val 103161"/>
+            <a:gd name="adj3" fmla="val 6250"/>
+            <a:gd name="adj4" fmla="val 315690"/>
+          </a:avLst>
+        </a:prstGeom>
+        <a:solidFill xmlns:a="http://schemas.openxmlformats.org/drawingml/2006/main">
+          <a:schemeClr val="accent2"/>
+        </a:solidFill>
+        <a:ln xmlns:a="http://schemas.openxmlformats.org/drawingml/2006/main">
+          <a:solidFill>
+            <a:schemeClr val="accent2"/>
+          </a:solidFill>
+        </a:ln>
+      </cdr:spPr>
+      <cdr:style>
+        <a:lnRef xmlns:a="http://schemas.openxmlformats.org/drawingml/2006/main" idx="2">
+          <a:schemeClr val="accent1">
+            <a:shade val="15000"/>
+          </a:schemeClr>
+        </a:lnRef>
+        <a:fillRef xmlns:a="http://schemas.openxmlformats.org/drawingml/2006/main" idx="1">
+          <a:schemeClr val="accent1"/>
+        </a:fillRef>
+        <a:effectRef xmlns:a="http://schemas.openxmlformats.org/drawingml/2006/main" idx="0">
+          <a:schemeClr val="accent1"/>
+        </a:effectRef>
+        <a:fontRef xmlns:a="http://schemas.openxmlformats.org/drawingml/2006/main" idx="minor">
+          <a:schemeClr val="lt1"/>
+        </a:fontRef>
+      </cdr:style>
+      <cdr:txBody>
+        <a:bodyPr xmlns:a="http://schemas.openxmlformats.org/drawingml/2006/main" anchor="ctr"/>
+        <a:lstStyle xmlns:a="http://schemas.openxmlformats.org/drawingml/2006/main">
+          <a:lvl1pPr marL="0" indent="0">
+            <a:defRPr sz="1100">
+              <a:solidFill>
+                <a:schemeClr val="lt1"/>
+              </a:solidFill>
+              <a:latin typeface="+mn-lt"/>
+              <a:ea typeface="+mn-ea"/>
+              <a:cs typeface="+mn-cs"/>
+            </a:defRPr>
+          </a:lvl1pPr>
+          <a:lvl2pPr marL="457200" indent="0">
+            <a:defRPr sz="1100">
+              <a:solidFill>
+                <a:schemeClr val="lt1"/>
+              </a:solidFill>
+              <a:latin typeface="+mn-lt"/>
+              <a:ea typeface="+mn-ea"/>
+              <a:cs typeface="+mn-cs"/>
+            </a:defRPr>
+          </a:lvl2pPr>
+          <a:lvl3pPr marL="914400" indent="0">
+            <a:defRPr sz="1100">
+              <a:solidFill>
+                <a:schemeClr val="lt1"/>
+              </a:solidFill>
+              <a:latin typeface="+mn-lt"/>
+              <a:ea typeface="+mn-ea"/>
+              <a:cs typeface="+mn-cs"/>
+            </a:defRPr>
+          </a:lvl3pPr>
+          <a:lvl4pPr marL="1371600" indent="0">
+            <a:defRPr sz="1100">
+              <a:solidFill>
+                <a:schemeClr val="lt1"/>
+              </a:solidFill>
+              <a:latin typeface="+mn-lt"/>
+              <a:ea typeface="+mn-ea"/>
+              <a:cs typeface="+mn-cs"/>
+            </a:defRPr>
+          </a:lvl4pPr>
+          <a:lvl5pPr marL="1828800" indent="0">
+            <a:defRPr sz="1100">
+              <a:solidFill>
+                <a:schemeClr val="lt1"/>
+              </a:solidFill>
+              <a:latin typeface="+mn-lt"/>
+              <a:ea typeface="+mn-ea"/>
+              <a:cs typeface="+mn-cs"/>
+            </a:defRPr>
+          </a:lvl5pPr>
+          <a:lvl6pPr marL="2286000" indent="0">
+            <a:defRPr sz="1100">
+              <a:solidFill>
+                <a:schemeClr val="lt1"/>
+              </a:solidFill>
+              <a:latin typeface="+mn-lt"/>
+              <a:ea typeface="+mn-ea"/>
+              <a:cs typeface="+mn-cs"/>
+            </a:defRPr>
+          </a:lvl6pPr>
+          <a:lvl7pPr marL="2743200" indent="0">
+            <a:defRPr sz="1100">
+              <a:solidFill>
+                <a:schemeClr val="lt1"/>
+              </a:solidFill>
+              <a:latin typeface="+mn-lt"/>
+              <a:ea typeface="+mn-ea"/>
+              <a:cs typeface="+mn-cs"/>
+            </a:defRPr>
+          </a:lvl7pPr>
+          <a:lvl8pPr marL="3200400" indent="0">
+            <a:defRPr sz="1100">
+              <a:solidFill>
+                <a:schemeClr val="lt1"/>
+              </a:solidFill>
+              <a:latin typeface="+mn-lt"/>
+              <a:ea typeface="+mn-ea"/>
+              <a:cs typeface="+mn-cs"/>
+            </a:defRPr>
+          </a:lvl8pPr>
+          <a:lvl9pPr marL="3657600" indent="0">
+            <a:defRPr sz="1100">
+              <a:solidFill>
+                <a:schemeClr val="lt1"/>
+              </a:solidFill>
+              <a:latin typeface="+mn-lt"/>
+              <a:ea typeface="+mn-ea"/>
+              <a:cs typeface="+mn-cs"/>
+            </a:defRPr>
+          </a:lvl9pPr>
+        </a:lstStyle>
+        <a:p xmlns:a="http://schemas.openxmlformats.org/drawingml/2006/main">
+          <a:pPr algn="ctr"/>
+          <a:r>
+            <a:rPr lang="en-US" altLang="ja-JP" sz="2400" b="1" dirty="0"/>
+            <a:t>6</a:t>
+          </a:r>
+          <a:endParaRPr lang="ja-JP" sz="2400" b="1"/>
+        </a:p>
+      </cdr:txBody>
+    </cdr:sp>
+  </cdr:relSizeAnchor>
+</c:userShapes>
+</file>
+
+<file path=ppt/notesMasters/notesMaster1.xml><?xml version="1.0" encoding="utf-8"?>
+<p:notesMaster xmlns:a="http://schemas.openxmlformats.org/drawingml/2006/main" xmlns:r="http://schemas.openxmlformats.org/officeDocument/2006/relationships" xmlns:p="http://schemas.openxmlformats.org/presentationml/2006/main">
+  <p:cSld>
+    <p:bg>
+      <p:bgRef idx="1001">
+        <a:schemeClr val="bg1"/>
+      </p:bgRef>
+    </p:bg>
+    <p:spTree>
+      <p:nvGrpSpPr>
+        <p:cNvPr id="1" name=""/>
+        <p:cNvGrpSpPr/>
+        <p:nvPr/>
+      </p:nvGrpSpPr>
+      <p:grpSpPr>
+        <a:xfrm>
+          <a:off x="0" y="0"/>
+          <a:ext cx="0" cy="0"/>
+          <a:chOff x="0" y="0"/>
+          <a:chExt cx="0" cy="0"/>
+        </a:xfrm>
+      </p:grpSpPr>
+      <p:sp>
+        <p:nvSpPr>
+          <p:cNvPr id="2" name="ヘッダー プレースホルダー 1"/>
+          <p:cNvSpPr>
+            <a:spLocks noGrp="1"/>
+          </p:cNvSpPr>
+          <p:nvPr>
+            <p:ph type="hdr" sz="quarter"/>
+          </p:nvPr>
+        </p:nvSpPr>
+        <p:spPr>
+          <a:xfrm>
+            <a:off x="0" y="0"/>
+            <a:ext cx="2971800" cy="458788"/>
+          </a:xfrm>
+          <a:prstGeom prst="rect">
+            <a:avLst/>
+          </a:prstGeom>
+        </p:spPr>
+        <p:txBody>
+          <a:bodyPr vert="horz" lIns="91440" tIns="45720" rIns="91440" bIns="45720" rtlCol="0"/>
+          <a:lstStyle>
+            <a:lvl1pPr algn="l">
+              <a:defRPr sz="1200"/>
+            </a:lvl1pPr>
+          </a:lstStyle>
+          <a:p>
+            <a:endParaRPr kumimoji="1" lang="ja-JP" altLang="en-US"/>
+          </a:p>
+        </p:txBody>
+      </p:sp>
+      <p:sp>
+        <p:nvSpPr>
+          <p:cNvPr id="3" name="日付プレースホルダー 2"/>
+          <p:cNvSpPr>
+            <a:spLocks noGrp="1"/>
+          </p:cNvSpPr>
+          <p:nvPr>
+            <p:ph type="dt" idx="1"/>
+          </p:nvPr>
+        </p:nvSpPr>
+        <p:spPr>
+          <a:xfrm>
+            <a:off x="3884613" y="0"/>
+            <a:ext cx="2971800" cy="458788"/>
+          </a:xfrm>
+          <a:prstGeom prst="rect">
+            <a:avLst/>
+          </a:prstGeom>
+        </p:spPr>
+        <p:txBody>
+          <a:bodyPr vert="horz" lIns="91440" tIns="45720" rIns="91440" bIns="45720" rtlCol="0"/>
+          <a:lstStyle>
+            <a:lvl1pPr algn="r">
+              <a:defRPr sz="1200"/>
+            </a:lvl1pPr>
+          </a:lstStyle>
+          <a:p>
+            <a:fld id="{37C82465-2BA1-F747-981C-C538B08C08AE}" type="datetimeFigureOut">
+              <a:rPr kumimoji="1" lang="ja-JP" altLang="en-US" smtClean="0"/>
+              <a:t>2023/12/22</a:t>
+            </a:fld>
+            <a:endParaRPr kumimoji="1" lang="ja-JP" altLang="en-US"/>
+          </a:p>
+        </p:txBody>
+      </p:sp>
+      <p:sp>
+        <p:nvSpPr>
+          <p:cNvPr id="4" name="スライド イメージ プレースホルダー 3"/>
+          <p:cNvSpPr>
+            <a:spLocks noGrp="1" noRot="1" noChangeAspect="1"/>
+          </p:cNvSpPr>
+          <p:nvPr>
+            <p:ph type="sldImg" idx="2"/>
+          </p:nvPr>
+        </p:nvSpPr>
+        <p:spPr>
+          <a:xfrm>
+            <a:off x="685800" y="1143000"/>
+            <a:ext cx="5486400" cy="3086100"/>
+          </a:xfrm>
+          <a:prstGeom prst="rect">
+            <a:avLst/>
+          </a:prstGeom>
+          <a:noFill/>
+          <a:ln w="12700">
+            <a:solidFill>
+              <a:prstClr val="black"/>
+            </a:solidFill>
+          </a:ln>
+        </p:spPr>
+        <p:txBody>
+          <a:bodyPr vert="horz" lIns="91440" tIns="45720" rIns="91440" bIns="45720" rtlCol="0" anchor="ctr"/>
+          <a:lstStyle/>
+          <a:p>
+            <a:endParaRPr lang="ja-JP" altLang="en-US"/>
+          </a:p>
+        </p:txBody>
+      </p:sp>
+      <p:sp>
+        <p:nvSpPr>
+          <p:cNvPr id="5" name="ノート プレースホルダー 4"/>
+          <p:cNvSpPr>
+            <a:spLocks noGrp="1"/>
+          </p:cNvSpPr>
+          <p:nvPr>
+            <p:ph type="body" sz="quarter" idx="3"/>
+          </p:nvPr>
+        </p:nvSpPr>
+        <p:spPr>
+          <a:xfrm>
+            <a:off x="685800" y="4400550"/>
+            <a:ext cx="5486400" cy="3600450"/>
+          </a:xfrm>
+          <a:prstGeom prst="rect">
+            <a:avLst/>
+          </a:prstGeom>
+        </p:spPr>
+        <p:txBody>
+          <a:bodyPr vert="horz" lIns="91440" tIns="45720" rIns="91440" bIns="45720" rtlCol="0"/>
+          <a:lstStyle/>
+          <a:p>
+            <a:pPr lvl="0"/>
+            <a:r>
+              <a:rPr kumimoji="1" lang="ja-JP" altLang="en-US"/>
+              <a:t>マスター テキストの書式設定</a:t>
+            </a:r>
+          </a:p>
+          <a:p>
+            <a:pPr lvl="1"/>
+            <a:r>
+              <a:rPr kumimoji="1" lang="ja-JP" altLang="en-US"/>
+              <a:t>第 </a:t>
+            </a:r>
+            <a:r>
+              <a:rPr kumimoji="1" lang="en-US" altLang="ja-JP"/>
+              <a:t>2 </a:t>
+            </a:r>
+            <a:r>
+              <a:rPr kumimoji="1" lang="ja-JP" altLang="en-US"/>
+              <a:t>レベル</a:t>
+            </a:r>
+          </a:p>
+          <a:p>
+            <a:pPr lvl="2"/>
+            <a:r>
+              <a:rPr kumimoji="1" lang="ja-JP" altLang="en-US"/>
+              <a:t>第 </a:t>
+            </a:r>
+            <a:r>
+              <a:rPr kumimoji="1" lang="en-US" altLang="ja-JP"/>
+              <a:t>3 </a:t>
+            </a:r>
+            <a:r>
+              <a:rPr kumimoji="1" lang="ja-JP" altLang="en-US"/>
+              <a:t>レベル</a:t>
+            </a:r>
+          </a:p>
+          <a:p>
+            <a:pPr lvl="3"/>
+            <a:r>
+              <a:rPr kumimoji="1" lang="ja-JP" altLang="en-US"/>
+              <a:t>第 </a:t>
+            </a:r>
+            <a:r>
+              <a:rPr kumimoji="1" lang="en-US" altLang="ja-JP"/>
+              <a:t>4 </a:t>
+            </a:r>
+            <a:r>
+              <a:rPr kumimoji="1" lang="ja-JP" altLang="en-US"/>
+              <a:t>レベル</a:t>
+            </a:r>
+          </a:p>
+          <a:p>
+            <a:pPr lvl="4"/>
+            <a:r>
+              <a:rPr kumimoji="1" lang="ja-JP" altLang="en-US"/>
+              <a:t>第 </a:t>
+            </a:r>
+            <a:r>
+              <a:rPr kumimoji="1" lang="en-US" altLang="ja-JP"/>
+              <a:t>5 </a:t>
+            </a:r>
+            <a:r>
+              <a:rPr kumimoji="1" lang="ja-JP" altLang="en-US"/>
+              <a:t>レベル</a:t>
+            </a:r>
+          </a:p>
+        </p:txBody>
+      </p:sp>
+      <p:sp>
+        <p:nvSpPr>
+          <p:cNvPr id="6" name="フッター プレースホルダー 5"/>
+          <p:cNvSpPr>
+            <a:spLocks noGrp="1"/>
+          </p:cNvSpPr>
+          <p:nvPr>
+            <p:ph type="ftr" sz="quarter" idx="4"/>
+          </p:nvPr>
+        </p:nvSpPr>
+        <p:spPr>
+          <a:xfrm>
+            <a:off x="0" y="8685213"/>
+            <a:ext cx="2971800" cy="458787"/>
+          </a:xfrm>
+          <a:prstGeom prst="rect">
+            <a:avLst/>
+          </a:prstGeom>
+        </p:spPr>
+        <p:txBody>
+          <a:bodyPr vert="horz" lIns="91440" tIns="45720" rIns="91440" bIns="45720" rtlCol="0" anchor="b"/>
+          <a:lstStyle>
+            <a:lvl1pPr algn="l">
+              <a:defRPr sz="1200"/>
+            </a:lvl1pPr>
+          </a:lstStyle>
+          <a:p>
+            <a:endParaRPr kumimoji="1" lang="ja-JP" altLang="en-US"/>
+          </a:p>
+        </p:txBody>
+      </p:sp>
+      <p:sp>
+        <p:nvSpPr>
+          <p:cNvPr id="7" name="スライド番号プレースホルダー 6"/>
+          <p:cNvSpPr>
+            <a:spLocks noGrp="1"/>
+          </p:cNvSpPr>
+          <p:nvPr>
+            <p:ph type="sldNum" sz="quarter" idx="5"/>
+          </p:nvPr>
+        </p:nvSpPr>
+        <p:spPr>
+          <a:xfrm>
+            <a:off x="3884613" y="8685213"/>
+            <a:ext cx="2971800" cy="458787"/>
+          </a:xfrm>
+          <a:prstGeom prst="rect">
+            <a:avLst/>
+          </a:prstGeom>
+        </p:spPr>
+        <p:txBody>
+          <a:bodyPr vert="horz" lIns="91440" tIns="45720" rIns="91440" bIns="45720" rtlCol="0" anchor="b"/>
+          <a:lstStyle>
+            <a:lvl1pPr algn="r">
+              <a:defRPr sz="1200"/>
+            </a:lvl1pPr>
+          </a:lstStyle>
+          <a:p>
+            <a:fld id="{B017C526-1964-1648-A24E-E134ECD059E0}" type="slidenum">
+              <a:rPr kumimoji="1" lang="ja-JP" altLang="en-US" smtClean="0"/>
+              <a:t>‹#›</a:t>
+            </a:fld>
+            <a:endParaRPr kumimoji="1" lang="ja-JP" altLang="en-US"/>
+          </a:p>
+        </p:txBody>
+      </p:sp>
+    </p:spTree>
+    <p:extLst>
+      <p:ext uri="{BB962C8B-B14F-4D97-AF65-F5344CB8AC3E}">
+        <p14:creationId xmlns:p14="http://schemas.microsoft.com/office/powerpoint/2010/main" val="1806249558"/>
+      </p:ext>
+    </p:extLst>
+  </p:cSld>
+  <p:clrMap bg1="lt1" tx1="dk1" bg2="lt2" tx2="dk2" accent1="accent1" accent2="accent2" accent3="accent3" accent4="accent4" accent5="accent5" accent6="accent6" hlink="hlink" folHlink="folHlink"/>
+  <p:notesStyle>
+    <a:lvl1pPr marL="0" algn="l" defTabSz="914400" rtl="0" eaLnBrk="1" latinLnBrk="0" hangingPunct="1">
+      <a:defRPr kumimoji="1" sz="1200" kern="1200">
+        <a:solidFill>
+          <a:schemeClr val="tx1"/>
+        </a:solidFill>
+        <a:latin typeface="+mn-lt"/>
+        <a:ea typeface="+mn-ea"/>
+        <a:cs typeface="+mn-cs"/>
+      </a:defRPr>
+    </a:lvl1pPr>
+    <a:lvl2pPr marL="457200" algn="l" defTabSz="914400" rtl="0" eaLnBrk="1" latinLnBrk="0" hangingPunct="1">
+      <a:defRPr kumimoji="1" sz="1200" kern="1200">
+        <a:solidFill>
+          <a:schemeClr val="tx1"/>
+        </a:solidFill>
+        <a:latin typeface="+mn-lt"/>
+        <a:ea typeface="+mn-ea"/>
+        <a:cs typeface="+mn-cs"/>
+      </a:defRPr>
+    </a:lvl2pPr>
+    <a:lvl3pPr marL="914400" algn="l" defTabSz="914400" rtl="0" eaLnBrk="1" latinLnBrk="0" hangingPunct="1">
+      <a:defRPr kumimoji="1" sz="1200" kern="1200">
+        <a:solidFill>
+          <a:schemeClr val="tx1"/>
+        </a:solidFill>
+        <a:latin typeface="+mn-lt"/>
+        <a:ea typeface="+mn-ea"/>
+        <a:cs typeface="+mn-cs"/>
+      </a:defRPr>
+    </a:lvl3pPr>
+    <a:lvl4pPr marL="1371600" algn="l" defTabSz="914400" rtl="0" eaLnBrk="1" latinLnBrk="0" hangingPunct="1">
+      <a:defRPr kumimoji="1" sz="1200" kern="1200">
+        <a:solidFill>
+          <a:schemeClr val="tx1"/>
+        </a:solidFill>
+        <a:latin typeface="+mn-lt"/>
+        <a:ea typeface="+mn-ea"/>
+        <a:cs typeface="+mn-cs"/>
+      </a:defRPr>
+    </a:lvl4pPr>
+    <a:lvl5pPr marL="1828800" algn="l" defTabSz="914400" rtl="0" eaLnBrk="1" latinLnBrk="0" hangingPunct="1">
+      <a:defRPr kumimoji="1" sz="1200" kern="1200">
+        <a:solidFill>
+          <a:schemeClr val="tx1"/>
+        </a:solidFill>
+        <a:latin typeface="+mn-lt"/>
+        <a:ea typeface="+mn-ea"/>
+        <a:cs typeface="+mn-cs"/>
+      </a:defRPr>
+    </a:lvl5pPr>
+    <a:lvl6pPr marL="2286000" algn="l" defTabSz="914400" rtl="0" eaLnBrk="1" latinLnBrk="0" hangingPunct="1">
+      <a:defRPr kumimoji="1" sz="1200" kern="1200">
+        <a:solidFill>
+          <a:schemeClr val="tx1"/>
+        </a:solidFill>
+        <a:latin typeface="+mn-lt"/>
+        <a:ea typeface="+mn-ea"/>
+        <a:cs typeface="+mn-cs"/>
+      </a:defRPr>
+    </a:lvl6pPr>
+    <a:lvl7pPr marL="2743200" algn="l" defTabSz="914400" rtl="0" eaLnBrk="1" latinLnBrk="0" hangingPunct="1">
+      <a:defRPr kumimoji="1" sz="1200" kern="1200">
+        <a:solidFill>
+          <a:schemeClr val="tx1"/>
+        </a:solidFill>
+        <a:latin typeface="+mn-lt"/>
+        <a:ea typeface="+mn-ea"/>
+        <a:cs typeface="+mn-cs"/>
+      </a:defRPr>
+    </a:lvl7pPr>
+    <a:lvl8pPr marL="3200400" algn="l" defTabSz="914400" rtl="0" eaLnBrk="1" latinLnBrk="0" hangingPunct="1">
+      <a:defRPr kumimoji="1" sz="1200" kern="1200">
+        <a:solidFill>
+          <a:schemeClr val="tx1"/>
+        </a:solidFill>
+        <a:latin typeface="+mn-lt"/>
+        <a:ea typeface="+mn-ea"/>
+        <a:cs typeface="+mn-cs"/>
+      </a:defRPr>
+    </a:lvl8pPr>
+    <a:lvl9pPr marL="3657600" algn="l" defTabSz="914400" rtl="0" eaLnBrk="1" latinLnBrk="0" hangingPunct="1">
+      <a:defRPr kumimoji="1" sz="1200" kern="1200">
+        <a:solidFill>
+          <a:schemeClr val="tx1"/>
+        </a:solidFill>
+        <a:latin typeface="+mn-lt"/>
+        <a:ea typeface="+mn-ea"/>
+        <a:cs typeface="+mn-cs"/>
+      </a:defRPr>
+    </a:lvl9pPr>
+  </p:notesStyle>
+</p:notesMaster>
+</file>
+
+<file path=ppt/notesSlides/notesSlide1.xml><?xml version="1.0" encoding="utf-8"?>
+<p:notes xmlns:a="http://schemas.openxmlformats.org/drawingml/2006/main" xmlns:r="http://schemas.openxmlformats.org/officeDocument/2006/relationships" xmlns:p="http://schemas.openxmlformats.org/presentationml/2006/main">
+  <p:cSld>
+    <p:spTree>
+      <p:nvGrpSpPr>
+        <p:cNvPr id="1" name=""/>
+        <p:cNvGrpSpPr/>
+        <p:nvPr/>
+      </p:nvGrpSpPr>
+      <p:grpSpPr>
+        <a:xfrm>
+          <a:off x="0" y="0"/>
+          <a:ext cx="0" cy="0"/>
+          <a:chOff x="0" y="0"/>
+          <a:chExt cx="0" cy="0"/>
+        </a:xfrm>
+      </p:grpSpPr>
+      <p:sp>
+        <p:nvSpPr>
+          <p:cNvPr id="2" name="スライド イメージ プレースホルダー 1"/>
+          <p:cNvSpPr>
+            <a:spLocks noGrp="1" noRot="1" noChangeAspect="1"/>
+          </p:cNvSpPr>
+          <p:nvPr>
+            <p:ph type="sldImg"/>
+          </p:nvPr>
+        </p:nvSpPr>
+        <p:spPr/>
+      </p:sp>
+      <p:sp>
+        <p:nvSpPr>
+          <p:cNvPr id="3" name="ノート プレースホルダー 2"/>
+          <p:cNvSpPr>
+            <a:spLocks noGrp="1"/>
+          </p:cNvSpPr>
+          <p:nvPr>
+            <p:ph type="body" idx="1"/>
+          </p:nvPr>
+        </p:nvSpPr>
+        <p:spPr/>
+        <p:txBody>
+          <a:bodyPr/>
+          <a:lstStyle/>
+          <a:p>
+            <a:endParaRPr kumimoji="1" lang="ja-JP" altLang="en-US"/>
+          </a:p>
+        </p:txBody>
+      </p:sp>
+      <p:sp>
+        <p:nvSpPr>
+          <p:cNvPr id="4" name="スライド番号プレースホルダー 3"/>
+          <p:cNvSpPr>
+            <a:spLocks noGrp="1"/>
+          </p:cNvSpPr>
+          <p:nvPr>
+            <p:ph type="sldNum" sz="quarter" idx="5"/>
+          </p:nvPr>
+        </p:nvSpPr>
+        <p:spPr/>
+        <p:txBody>
+          <a:bodyPr/>
+          <a:lstStyle/>
+          <a:p>
+            <a:fld id="{B017C526-1964-1648-A24E-E134ECD059E0}" type="slidenum">
+              <a:rPr kumimoji="1" lang="ja-JP" altLang="en-US" smtClean="0"/>
+              <a:t>4</a:t>
+            </a:fld>
+            <a:endParaRPr kumimoji="1" lang="ja-JP" altLang="en-US"/>
+          </a:p>
+        </p:txBody>
+      </p:sp>
+    </p:spTree>
+    <p:extLst>
+      <p:ext uri="{BB962C8B-B14F-4D97-AF65-F5344CB8AC3E}">
+        <p14:creationId xmlns:p14="http://schemas.microsoft.com/office/powerpoint/2010/main" val="2941170537"/>
+      </p:ext>
+    </p:extLst>
+  </p:cSld>
+  <p:clrMapOvr>
+    <a:masterClrMapping/>
+  </p:clrMapOvr>
+</p:notes>
+</file>
+
+<file path=ppt/notesSlides/notesSlide2.xml><?xml version="1.0" encoding="utf-8"?>
+<p:notes xmlns:a="http://schemas.openxmlformats.org/drawingml/2006/main" xmlns:r="http://schemas.openxmlformats.org/officeDocument/2006/relationships" xmlns:p="http://schemas.openxmlformats.org/presentationml/2006/main">
+  <p:cSld>
+    <p:spTree>
+      <p:nvGrpSpPr>
+        <p:cNvPr id="1" name=""/>
+        <p:cNvGrpSpPr/>
+        <p:nvPr/>
+      </p:nvGrpSpPr>
+      <p:grpSpPr>
+        <a:xfrm>
+          <a:off x="0" y="0"/>
+          <a:ext cx="0" cy="0"/>
+          <a:chOff x="0" y="0"/>
+          <a:chExt cx="0" cy="0"/>
+        </a:xfrm>
+      </p:grpSpPr>
+      <p:sp>
+        <p:nvSpPr>
+          <p:cNvPr id="2" name="スライド イメージ プレースホルダー 1"/>
+          <p:cNvSpPr>
+            <a:spLocks noGrp="1" noRot="1" noChangeAspect="1"/>
+          </p:cNvSpPr>
+          <p:nvPr>
+            <p:ph type="sldImg"/>
+          </p:nvPr>
+        </p:nvSpPr>
+        <p:spPr/>
+      </p:sp>
+      <p:sp>
+        <p:nvSpPr>
+          <p:cNvPr id="3" name="ノート プレースホルダー 2"/>
+          <p:cNvSpPr>
+            <a:spLocks noGrp="1"/>
+          </p:cNvSpPr>
+          <p:nvPr>
+            <p:ph type="body" idx="1"/>
+          </p:nvPr>
+        </p:nvSpPr>
+        <p:spPr/>
+        <p:txBody>
+          <a:bodyPr/>
+          <a:lstStyle/>
+          <a:p>
+            <a:endParaRPr kumimoji="1" lang="ja-JP" altLang="en-US"/>
+          </a:p>
+        </p:txBody>
+      </p:sp>
+      <p:sp>
+        <p:nvSpPr>
+          <p:cNvPr id="4" name="スライド番号プレースホルダー 3"/>
+          <p:cNvSpPr>
+            <a:spLocks noGrp="1"/>
+          </p:cNvSpPr>
+          <p:nvPr>
+            <p:ph type="sldNum" sz="quarter" idx="5"/>
+          </p:nvPr>
+        </p:nvSpPr>
+        <p:spPr/>
+        <p:txBody>
+          <a:bodyPr/>
+          <a:lstStyle/>
+          <a:p>
+            <a:fld id="{B017C526-1964-1648-A24E-E134ECD059E0}" type="slidenum">
+              <a:rPr kumimoji="1" lang="ja-JP" altLang="en-US" smtClean="0"/>
+              <a:t>6</a:t>
+            </a:fld>
+            <a:endParaRPr kumimoji="1" lang="ja-JP" altLang="en-US"/>
+          </a:p>
+        </p:txBody>
+      </p:sp>
+    </p:spTree>
+    <p:extLst>
+      <p:ext uri="{BB962C8B-B14F-4D97-AF65-F5344CB8AC3E}">
+        <p14:creationId xmlns:p14="http://schemas.microsoft.com/office/powerpoint/2010/main" val="2229341359"/>
+      </p:ext>
+    </p:extLst>
+  </p:cSld>
+  <p:clrMapOvr>
+    <a:masterClrMapping/>
+  </p:clrMapOvr>
+</p:notes>
 </file>
 
 <file path=ppt/slideLayouts/slideLayout1.xml><?xml version="1.0" encoding="utf-8"?>
@@ -3638,7 +5008,7 @@
           <a:p>
             <a:fld id="{54B02C74-34BD-0148-A7A7-F68D012730E0}" type="datetimeFigureOut">
               <a:rPr kumimoji="1" lang="ja-JP" altLang="en-US" smtClean="0"/>
-              <a:t>2023/11/29</a:t>
+              <a:t>2023/12/22</a:t>
             </a:fld>
             <a:endParaRPr kumimoji="1" lang="ja-JP" altLang="en-US"/>
           </a:p>
@@ -3868,7 +5238,7 @@
           <a:p>
             <a:fld id="{54B02C74-34BD-0148-A7A7-F68D012730E0}" type="datetimeFigureOut">
               <a:rPr kumimoji="1" lang="ja-JP" altLang="en-US" smtClean="0"/>
-              <a:t>2023/11/29</a:t>
+              <a:t>2023/12/22</a:t>
             </a:fld>
             <a:endParaRPr kumimoji="1" lang="ja-JP" altLang="en-US"/>
           </a:p>
@@ -4108,7 +5478,7 @@
           <a:p>
             <a:fld id="{54B02C74-34BD-0148-A7A7-F68D012730E0}" type="datetimeFigureOut">
               <a:rPr kumimoji="1" lang="ja-JP" altLang="en-US" smtClean="0"/>
-              <a:t>2023/11/29</a:t>
+              <a:t>2023/12/22</a:t>
             </a:fld>
             <a:endParaRPr kumimoji="1" lang="ja-JP" altLang="en-US"/>
           </a:p>
@@ -4338,7 +5708,7 @@
           <a:p>
             <a:fld id="{54B02C74-34BD-0148-A7A7-F68D012730E0}" type="datetimeFigureOut">
               <a:rPr kumimoji="1" lang="ja-JP" altLang="en-US" smtClean="0"/>
-              <a:t>2023/11/29</a:t>
+              <a:t>2023/12/22</a:t>
             </a:fld>
             <a:endParaRPr kumimoji="1" lang="ja-JP" altLang="en-US"/>
           </a:p>
@@ -4613,7 +5983,7 @@
           <a:p>
             <a:fld id="{54B02C74-34BD-0148-A7A7-F68D012730E0}" type="datetimeFigureOut">
               <a:rPr kumimoji="1" lang="ja-JP" altLang="en-US" smtClean="0"/>
-              <a:t>2023/11/29</a:t>
+              <a:t>2023/12/22</a:t>
             </a:fld>
             <a:endParaRPr kumimoji="1" lang="ja-JP" altLang="en-US"/>
           </a:p>
@@ -4942,7 +6312,7 @@
           <a:p>
             <a:fld id="{54B02C74-34BD-0148-A7A7-F68D012730E0}" type="datetimeFigureOut">
               <a:rPr kumimoji="1" lang="ja-JP" altLang="en-US" smtClean="0"/>
-              <a:t>2023/11/29</a:t>
+              <a:t>2023/12/22</a:t>
             </a:fld>
             <a:endParaRPr kumimoji="1" lang="ja-JP" altLang="en-US"/>
           </a:p>
@@ -5418,7 +6788,7 @@
           <a:p>
             <a:fld id="{54B02C74-34BD-0148-A7A7-F68D012730E0}" type="datetimeFigureOut">
               <a:rPr kumimoji="1" lang="ja-JP" altLang="en-US" smtClean="0"/>
-              <a:t>2023/11/29</a:t>
+              <a:t>2023/12/22</a:t>
             </a:fld>
             <a:endParaRPr kumimoji="1" lang="ja-JP" altLang="en-US"/>
           </a:p>
@@ -5559,7 +6929,7 @@
           <a:p>
             <a:fld id="{54B02C74-34BD-0148-A7A7-F68D012730E0}" type="datetimeFigureOut">
               <a:rPr kumimoji="1" lang="ja-JP" altLang="en-US" smtClean="0"/>
-              <a:t>2023/11/29</a:t>
+              <a:t>2023/12/22</a:t>
             </a:fld>
             <a:endParaRPr kumimoji="1" lang="ja-JP" altLang="en-US"/>
           </a:p>
@@ -5672,7 +7042,7 @@
           <a:p>
             <a:fld id="{54B02C74-34BD-0148-A7A7-F68D012730E0}" type="datetimeFigureOut">
               <a:rPr kumimoji="1" lang="ja-JP" altLang="en-US" smtClean="0"/>
-              <a:t>2023/11/29</a:t>
+              <a:t>2023/12/22</a:t>
             </a:fld>
             <a:endParaRPr kumimoji="1" lang="ja-JP" altLang="en-US"/>
           </a:p>
@@ -6015,7 +7385,7 @@
           <a:p>
             <a:fld id="{54B02C74-34BD-0148-A7A7-F68D012730E0}" type="datetimeFigureOut">
               <a:rPr kumimoji="1" lang="ja-JP" altLang="en-US" smtClean="0"/>
-              <a:t>2023/11/29</a:t>
+              <a:t>2023/12/22</a:t>
             </a:fld>
             <a:endParaRPr kumimoji="1" lang="ja-JP" altLang="en-US"/>
           </a:p>
@@ -6303,7 +7673,7 @@
           <a:p>
             <a:fld id="{54B02C74-34BD-0148-A7A7-F68D012730E0}" type="datetimeFigureOut">
               <a:rPr kumimoji="1" lang="ja-JP" altLang="en-US" smtClean="0"/>
-              <a:t>2023/11/29</a:t>
+              <a:t>2023/12/22</a:t>
             </a:fld>
             <a:endParaRPr kumimoji="1" lang="ja-JP" altLang="en-US"/>
           </a:p>
@@ -6605,7 +7975,7 @@
           <a:p>
             <a:fld id="{54B02C74-34BD-0148-A7A7-F68D012730E0}" type="datetimeFigureOut">
               <a:rPr kumimoji="1" lang="ja-JP" altLang="en-US" smtClean="0"/>
-              <a:t>2023/11/29</a:t>
+              <a:t>2023/12/22</a:t>
             </a:fld>
             <a:endParaRPr kumimoji="1" lang="ja-JP" altLang="en-US"/>
           </a:p>
@@ -7169,10 +8539,10 @@
         </p:nvGrpSpPr>
         <p:grpSpPr>
           <a:xfrm>
-            <a:off x="1368972" y="2446948"/>
-            <a:ext cx="9454056" cy="3687676"/>
-            <a:chOff x="1135116" y="2446948"/>
-            <a:chExt cx="9454056" cy="3687676"/>
+            <a:off x="655782" y="2257177"/>
+            <a:ext cx="10167246" cy="3877447"/>
+            <a:chOff x="421926" y="2257177"/>
+            <a:chExt cx="10167246" cy="3877447"/>
           </a:xfrm>
         </p:grpSpPr>
         <p:sp>
@@ -7189,8 +8559,8 @@
           </p:nvSpPr>
           <p:spPr>
             <a:xfrm>
-              <a:off x="1135116" y="2446948"/>
-              <a:ext cx="4172608" cy="923330"/>
+              <a:off x="1135116" y="2257177"/>
+              <a:ext cx="4172608" cy="1323439"/>
             </a:xfrm>
             <a:prstGeom prst="rect">
               <a:avLst/>
@@ -7205,21 +8575,12 @@
             <a:p>
               <a:pPr algn="ctr"/>
               <a:r>
-                <a:rPr lang="en-US" altLang="ja-JP" sz="5400" b="1" dirty="0">
+                <a:rPr lang="en-US" altLang="ja-JP" sz="8000" b="1" dirty="0">
                   <a:solidFill>
                     <a:schemeClr val="bg1"/>
                   </a:solidFill>
                 </a:rPr>
-                <a:t>2</a:t>
-              </a:r>
-              <a:r>
-                <a:rPr lang="en-US" altLang="ja-JP" sz="5400" b="1" i="0" dirty="0">
-                  <a:solidFill>
-                    <a:schemeClr val="bg1"/>
-                  </a:solidFill>
-                  <a:effectLst/>
-                </a:rPr>
-                <a:t>2</a:t>
+                <a:t>23</a:t>
               </a:r>
               <a:r>
                 <a:rPr lang="ja-JP" altLang="en-US" sz="2800" b="1" i="0">
@@ -7295,8 +8656,8 @@
           </p:nvSpPr>
           <p:spPr>
             <a:xfrm>
-              <a:off x="6416564" y="2446949"/>
-              <a:ext cx="4172608" cy="923330"/>
+              <a:off x="6416564" y="2257177"/>
+              <a:ext cx="4172608" cy="1323439"/>
             </a:xfrm>
             <a:prstGeom prst="rect">
               <a:avLst/>
@@ -7311,12 +8672,12 @@
             <a:p>
               <a:pPr algn="ctr"/>
               <a:r>
-                <a:rPr lang="en-US" altLang="ja-JP" sz="5400" b="1" dirty="0">
+                <a:rPr lang="en-US" altLang="ja-JP" sz="8000" b="1" dirty="0">
                   <a:solidFill>
                     <a:schemeClr val="bg1"/>
                   </a:solidFill>
                 </a:rPr>
-                <a:t>305</a:t>
+                <a:t>331</a:t>
               </a:r>
               <a:r>
                 <a:rPr lang="ja-JP" altLang="en-US" sz="2800" b="1" i="0">
@@ -7392,8 +8753,8 @@
           </p:nvSpPr>
           <p:spPr>
             <a:xfrm>
-              <a:off x="1135116" y="4777743"/>
-              <a:ext cx="4172608" cy="923330"/>
+              <a:off x="421926" y="4527867"/>
+              <a:ext cx="5598988" cy="1323439"/>
             </a:xfrm>
             <a:prstGeom prst="rect">
               <a:avLst/>
@@ -7408,13 +8769,21 @@
             <a:p>
               <a:pPr algn="ctr"/>
               <a:r>
-                <a:rPr lang="en-US" altLang="ja-JP" sz="5400" b="1" i="0" dirty="0">
+                <a:rPr lang="en-US" altLang="ja-JP" sz="8000" b="1" dirty="0">
+                  <a:solidFill>
+                    <a:schemeClr val="bg1"/>
+                  </a:solidFill>
+                </a:rPr>
+                <a:t>2</a:t>
+              </a:r>
+              <a:r>
+                <a:rPr lang="en-US" altLang="ja-JP" sz="8000" b="1" i="0" dirty="0">
                   <a:solidFill>
                     <a:schemeClr val="bg1"/>
                   </a:solidFill>
                   <a:effectLst/>
                 </a:rPr>
-                <a:t>1,998,632</a:t>
+                <a:t>,119,712</a:t>
               </a:r>
               <a:r>
                 <a:rPr lang="ja-JP" altLang="en-US" sz="2800" b="1" i="0">
@@ -7423,7 +8792,7 @@
                   </a:solidFill>
                   <a:effectLst/>
                 </a:rPr>
-                <a:t>字</a:t>
+                <a:t>文字</a:t>
               </a:r>
               <a:endParaRPr lang="en-US" altLang="ja-JP" sz="3600" b="1" i="0" dirty="0">
                 <a:solidFill>
@@ -7490,8 +8859,8 @@
           </p:nvSpPr>
           <p:spPr>
             <a:xfrm>
-              <a:off x="6416564" y="4777743"/>
-              <a:ext cx="4172608" cy="923330"/>
+              <a:off x="6416564" y="4527866"/>
+              <a:ext cx="4172608" cy="1323439"/>
             </a:xfrm>
             <a:prstGeom prst="rect">
               <a:avLst/>
@@ -7506,15 +8875,15 @@
             <a:p>
               <a:pPr algn="ctr"/>
               <a:r>
-                <a:rPr lang="en-US" altLang="ja-JP" sz="5400" b="1" i="0" dirty="0">
+                <a:rPr lang="en-US" altLang="ja-JP" sz="8000" b="1" i="0" dirty="0">
                   <a:solidFill>
                     <a:schemeClr val="bg1"/>
                   </a:solidFill>
                   <a:effectLst/>
                 </a:rPr>
-                <a:t>2059</a:t>
+                <a:t>2,314</a:t>
               </a:r>
-              <a:endParaRPr lang="en-US" altLang="ja-JP" sz="3600" b="1" i="0" dirty="0">
+              <a:endParaRPr lang="en-US" altLang="ja-JP" sz="5400" b="1" i="0" dirty="0">
                 <a:solidFill>
                   <a:schemeClr val="bg1"/>
                 </a:solidFill>
@@ -7566,6 +8935,54 @@
           </p:txBody>
         </p:sp>
       </p:grpSp>
+      <p:sp>
+        <p:nvSpPr>
+          <p:cNvPr id="2" name="テキスト ボックス 1">
+            <a:extLst>
+              <a:ext uri="{FF2B5EF4-FFF2-40B4-BE49-F238E27FC236}">
+                <a16:creationId xmlns:a16="http://schemas.microsoft.com/office/drawing/2014/main" id="{13EDFA1B-7ECD-A058-B68A-A0395F348404}"/>
+              </a:ext>
+            </a:extLst>
+          </p:cNvPr>
+          <p:cNvSpPr txBox="1"/>
+          <p:nvPr/>
+        </p:nvSpPr>
+        <p:spPr>
+          <a:xfrm>
+            <a:off x="9194" y="6478158"/>
+            <a:ext cx="2577663" cy="338554"/>
+          </a:xfrm>
+          <a:prstGeom prst="rect">
+            <a:avLst/>
+          </a:prstGeom>
+          <a:noFill/>
+        </p:spPr>
+        <p:txBody>
+          <a:bodyPr wrap="square" rtlCol="0">
+            <a:spAutoFit/>
+          </a:bodyPr>
+          <a:lstStyle/>
+          <a:p>
+            <a:r>
+              <a:rPr lang="en-US" altLang="ja-JP" sz="1600" i="0" dirty="0">
+                <a:solidFill>
+                  <a:schemeClr val="bg1"/>
+                </a:solidFill>
+                <a:effectLst/>
+                <a:latin typeface="-apple-system"/>
+              </a:rPr>
+              <a:t>As of 2023/12/21</a:t>
+            </a:r>
+            <a:endParaRPr lang="ja-JP" altLang="en-US" sz="1600" i="0">
+              <a:solidFill>
+                <a:schemeClr val="bg1"/>
+              </a:solidFill>
+              <a:effectLst/>
+              <a:latin typeface="-apple-system"/>
+            </a:endParaRPr>
+          </a:p>
+        </p:txBody>
+      </p:sp>
     </p:spTree>
     <p:extLst>
       <p:ext uri="{BB962C8B-B14F-4D97-AF65-F5344CB8AC3E}">
@@ -7611,7 +9028,7 @@
         <p:spPr>
           <a:xfrm>
             <a:off x="362607" y="236483"/>
-            <a:ext cx="11466786" cy="6385034"/>
+            <a:ext cx="11466786" cy="6269420"/>
           </a:xfrm>
           <a:prstGeom prst="rect">
             <a:avLst/>
@@ -7663,7 +9080,7 @@
           <p:nvPr>
             <p:extLst>
               <p:ext uri="{D42A27DB-BD31-4B8C-83A1-F6EECF244321}">
-                <p14:modId xmlns:p14="http://schemas.microsoft.com/office/powerpoint/2010/main" val="501902670"/>
+                <p14:modId xmlns:p14="http://schemas.microsoft.com/office/powerpoint/2010/main" val="98520405"/>
               </p:ext>
             </p:extLst>
           </p:nvPr>
@@ -7678,6 +9095,158 @@
           </a:graphicData>
         </a:graphic>
       </p:graphicFrame>
+      <p:sp>
+        <p:nvSpPr>
+          <p:cNvPr id="4" name="テキスト ボックス 3">
+            <a:extLst>
+              <a:ext uri="{FF2B5EF4-FFF2-40B4-BE49-F238E27FC236}">
+                <a16:creationId xmlns:a16="http://schemas.microsoft.com/office/drawing/2014/main" id="{883ED5BA-6EA8-69DA-1ACE-75CA03281CCA}"/>
+              </a:ext>
+            </a:extLst>
+          </p:cNvPr>
+          <p:cNvSpPr txBox="1"/>
+          <p:nvPr/>
+        </p:nvSpPr>
+        <p:spPr>
+          <a:xfrm>
+            <a:off x="9194" y="6478158"/>
+            <a:ext cx="2577663" cy="338554"/>
+          </a:xfrm>
+          <a:prstGeom prst="rect">
+            <a:avLst/>
+          </a:prstGeom>
+          <a:noFill/>
+        </p:spPr>
+        <p:txBody>
+          <a:bodyPr wrap="square" rtlCol="0">
+            <a:spAutoFit/>
+          </a:bodyPr>
+          <a:lstStyle/>
+          <a:p>
+            <a:r>
+              <a:rPr lang="en-US" altLang="ja-JP" sz="1600" i="0" dirty="0">
+                <a:solidFill>
+                  <a:schemeClr val="bg1"/>
+                </a:solidFill>
+                <a:effectLst/>
+                <a:latin typeface="-apple-system"/>
+              </a:rPr>
+              <a:t>As of 2023/12/21</a:t>
+            </a:r>
+            <a:endParaRPr lang="ja-JP" altLang="en-US" sz="1600" i="0">
+              <a:solidFill>
+                <a:schemeClr val="bg1"/>
+              </a:solidFill>
+              <a:effectLst/>
+              <a:latin typeface="-apple-system"/>
+            </a:endParaRPr>
+          </a:p>
+        </p:txBody>
+      </p:sp>
+      <p:sp>
+        <p:nvSpPr>
+          <p:cNvPr id="5" name="テキスト ボックス 4">
+            <a:extLst>
+              <a:ext uri="{FF2B5EF4-FFF2-40B4-BE49-F238E27FC236}">
+                <a16:creationId xmlns:a16="http://schemas.microsoft.com/office/drawing/2014/main" id="{9CB1E65F-5F0F-89B2-6FFB-D8033853511A}"/>
+              </a:ext>
+            </a:extLst>
+          </p:cNvPr>
+          <p:cNvSpPr txBox="1"/>
+          <p:nvPr/>
+        </p:nvSpPr>
+        <p:spPr>
+          <a:xfrm>
+            <a:off x="7733211" y="6529058"/>
+            <a:ext cx="4105389" cy="276999"/>
+          </a:xfrm>
+          <a:prstGeom prst="rect">
+            <a:avLst/>
+          </a:prstGeom>
+          <a:noFill/>
+        </p:spPr>
+        <p:txBody>
+          <a:bodyPr wrap="square" rtlCol="0">
+            <a:spAutoFit/>
+          </a:bodyPr>
+          <a:lstStyle/>
+          <a:p>
+            <a:pPr algn="r"/>
+            <a:r>
+              <a:rPr lang="en-US" altLang="ja-JP" sz="1200" i="0" dirty="0">
+                <a:solidFill>
+                  <a:schemeClr val="bg2">
+                    <a:lumMod val="50000"/>
+                  </a:schemeClr>
+                </a:solidFill>
+                <a:effectLst/>
+                <a:latin typeface="-apple-system"/>
+              </a:rPr>
+              <a:t>※12</a:t>
+            </a:r>
+            <a:r>
+              <a:rPr lang="ja-JP" altLang="en-US" sz="1200" i="0">
+                <a:solidFill>
+                  <a:schemeClr val="bg2">
+                    <a:lumMod val="50000"/>
+                  </a:schemeClr>
+                </a:solidFill>
+                <a:effectLst/>
+                <a:latin typeface="-apple-system"/>
+              </a:rPr>
+              <a:t>月のみ</a:t>
+            </a:r>
+            <a:r>
+              <a:rPr lang="en-US" altLang="ja-JP" sz="1200" i="0" dirty="0">
+                <a:solidFill>
+                  <a:schemeClr val="bg2">
+                    <a:lumMod val="50000"/>
+                  </a:schemeClr>
+                </a:solidFill>
+                <a:effectLst/>
+                <a:latin typeface="-apple-system"/>
+              </a:rPr>
+              <a:t>21</a:t>
+            </a:r>
+            <a:r>
+              <a:rPr lang="ja-JP" altLang="en-US" sz="1200" i="0">
+                <a:solidFill>
+                  <a:schemeClr val="bg2">
+                    <a:lumMod val="50000"/>
+                  </a:schemeClr>
+                </a:solidFill>
+                <a:effectLst/>
+                <a:latin typeface="-apple-system"/>
+              </a:rPr>
+              <a:t>日時点の「過去</a:t>
+            </a:r>
+            <a:r>
+              <a:rPr lang="en-US" altLang="ja-JP" sz="1200" i="0" dirty="0">
+                <a:solidFill>
+                  <a:schemeClr val="bg2">
+                    <a:lumMod val="50000"/>
+                  </a:schemeClr>
+                </a:solidFill>
+                <a:effectLst/>
+                <a:latin typeface="-apple-system"/>
+              </a:rPr>
+              <a:t>1</a:t>
+            </a:r>
+            <a:r>
+              <a:rPr lang="ja-JP" altLang="en-US" sz="1200" i="0">
+                <a:solidFill>
+                  <a:schemeClr val="bg2">
+                    <a:lumMod val="50000"/>
+                  </a:schemeClr>
+                </a:solidFill>
+                <a:effectLst/>
+                <a:latin typeface="-apple-system"/>
+              </a:rPr>
+              <a:t>ヶ月」で計測</a:t>
+            </a:r>
+          </a:p>
+        </p:txBody>
+      </p:sp>
     </p:spTree>
     <p:extLst>
       <p:ext uri="{BB962C8B-B14F-4D97-AF65-F5344CB8AC3E}">
@@ -7692,11 +9261,17 @@
 </file>
 
 <file path=ppt/slides/slide3.xml><?xml version="1.0" encoding="utf-8"?>
-<p:sld xmlns:a="http://schemas.openxmlformats.org/drawingml/2006/main" xmlns:r="http://schemas.openxmlformats.org/officeDocument/2006/relationships" xmlns:p="http://schemas.openxmlformats.org/presentationml/2006/main">
+<p:sld xmlns:a="http://schemas.openxmlformats.org/drawingml/2006/main" xmlns:r="http://schemas.openxmlformats.org/officeDocument/2006/relationships" xmlns:p="http://schemas.openxmlformats.org/presentationml/2006/main" show="0">
   <p:cSld>
     <p:spTree>
       <p:nvGrpSpPr>
-        <p:cNvPr id="1" name=""/>
+        <p:cNvPr id="1" name="">
+          <a:extLst>
+            <a:ext uri="{FF2B5EF4-FFF2-40B4-BE49-F238E27FC236}">
+              <a16:creationId xmlns:a16="http://schemas.microsoft.com/office/drawing/2014/main" id="{32A521BE-C977-B557-84D0-B9CC5F9AD2D0}"/>
+            </a:ext>
+          </a:extLst>
+        </p:cNvPr>
         <p:cNvGrpSpPr/>
         <p:nvPr/>
       </p:nvGrpSpPr>
@@ -7710,10 +9285,10 @@
       </p:grpSpPr>
       <p:sp>
         <p:nvSpPr>
-          <p:cNvPr id="6" name="正方形/長方形 5">
+          <p:cNvPr id="2" name="正方形/長方形 1">
             <a:extLst>
               <a:ext uri="{FF2B5EF4-FFF2-40B4-BE49-F238E27FC236}">
-                <a16:creationId xmlns:a16="http://schemas.microsoft.com/office/drawing/2014/main" id="{4B1CD531-51E3-97AA-D415-06340FE6DE98}"/>
+                <a16:creationId xmlns:a16="http://schemas.microsoft.com/office/drawing/2014/main" id="{8411D591-CD71-2935-6643-F0E9281B5385}"/>
               </a:ext>
             </a:extLst>
           </p:cNvPr>
@@ -7723,7 +9298,7 @@
         <p:spPr>
           <a:xfrm>
             <a:off x="362607" y="236483"/>
-            <a:ext cx="11466786" cy="6385034"/>
+            <a:ext cx="11466786" cy="6269420"/>
           </a:xfrm>
           <a:prstGeom prst="rect">
             <a:avLst/>
@@ -7764,25 +9339,19 @@
       </p:sp>
       <p:graphicFrame>
         <p:nvGraphicFramePr>
-          <p:cNvPr id="5" name="グラフ 4">
+          <p:cNvPr id="3" name="グラフ 2">
             <a:extLst>
               <a:ext uri="{FF2B5EF4-FFF2-40B4-BE49-F238E27FC236}">
-                <a16:creationId xmlns:a16="http://schemas.microsoft.com/office/drawing/2014/main" id="{E3AAAF5F-76B5-8D05-885A-4555A0A77D49}"/>
+                <a16:creationId xmlns:a16="http://schemas.microsoft.com/office/drawing/2014/main" id="{7E052E98-C011-3750-223E-71D723FCEFE2}"/>
               </a:ext>
             </a:extLst>
           </p:cNvPr>
           <p:cNvGraphicFramePr/>
-          <p:nvPr>
-            <p:extLst>
-              <p:ext uri="{D42A27DB-BD31-4B8C-83A1-F6EECF244321}">
-                <p14:modId xmlns:p14="http://schemas.microsoft.com/office/powerpoint/2010/main" val="1473034447"/>
-              </p:ext>
-            </p:extLst>
-          </p:nvPr>
+          <p:nvPr/>
         </p:nvGraphicFramePr>
         <p:xfrm>
-          <a:off x="665655" y="435887"/>
-          <a:ext cx="10937766" cy="6091037"/>
+          <a:off x="760248" y="519969"/>
+          <a:ext cx="10759089" cy="5985934"/>
         </p:xfrm>
         <a:graphic>
           <a:graphicData uri="http://schemas.openxmlformats.org/drawingml/2006/chart">
@@ -7790,10 +9359,58 @@
           </a:graphicData>
         </a:graphic>
       </p:graphicFrame>
+      <p:sp>
+        <p:nvSpPr>
+          <p:cNvPr id="4" name="テキスト ボックス 3">
+            <a:extLst>
+              <a:ext uri="{FF2B5EF4-FFF2-40B4-BE49-F238E27FC236}">
+                <a16:creationId xmlns:a16="http://schemas.microsoft.com/office/drawing/2014/main" id="{2075D568-571F-F3AD-482D-E675F7F386E0}"/>
+              </a:ext>
+            </a:extLst>
+          </p:cNvPr>
+          <p:cNvSpPr txBox="1"/>
+          <p:nvPr/>
+        </p:nvSpPr>
+        <p:spPr>
+          <a:xfrm>
+            <a:off x="9194" y="6478158"/>
+            <a:ext cx="2577663" cy="338554"/>
+          </a:xfrm>
+          <a:prstGeom prst="rect">
+            <a:avLst/>
+          </a:prstGeom>
+          <a:noFill/>
+        </p:spPr>
+        <p:txBody>
+          <a:bodyPr wrap="square" rtlCol="0">
+            <a:spAutoFit/>
+          </a:bodyPr>
+          <a:lstStyle/>
+          <a:p>
+            <a:r>
+              <a:rPr lang="en-US" altLang="ja-JP" sz="1600" i="0" dirty="0">
+                <a:solidFill>
+                  <a:schemeClr val="bg1"/>
+                </a:solidFill>
+                <a:effectLst/>
+                <a:latin typeface="-apple-system"/>
+              </a:rPr>
+              <a:t>As of 2023/12/21</a:t>
+            </a:r>
+            <a:endParaRPr lang="ja-JP" altLang="en-US" sz="1600" i="0">
+              <a:solidFill>
+                <a:schemeClr val="bg1"/>
+              </a:solidFill>
+              <a:effectLst/>
+              <a:latin typeface="-apple-system"/>
+            </a:endParaRPr>
+          </a:p>
+        </p:txBody>
+      </p:sp>
     </p:spTree>
     <p:extLst>
       <p:ext uri="{BB962C8B-B14F-4D97-AF65-F5344CB8AC3E}">
-        <p14:creationId xmlns:p14="http://schemas.microsoft.com/office/powerpoint/2010/main" val="3257702972"/>
+        <p14:creationId xmlns:p14="http://schemas.microsoft.com/office/powerpoint/2010/main" val="3033410708"/>
       </p:ext>
     </p:extLst>
   </p:cSld>
@@ -7834,8 +9451,8 @@
         </p:nvSpPr>
         <p:spPr>
           <a:xfrm>
-            <a:off x="362607" y="236483"/>
-            <a:ext cx="11466786" cy="6385034"/>
+            <a:off x="362607" y="236482"/>
+            <a:ext cx="11466786" cy="6290441"/>
           </a:xfrm>
           <a:prstGeom prst="rect">
             <a:avLst/>
@@ -7876,10 +9493,10 @@
       </p:sp>
       <p:graphicFrame>
         <p:nvGraphicFramePr>
-          <p:cNvPr id="2" name="グラフ 1">
+          <p:cNvPr id="5" name="グラフ 4">
             <a:extLst>
               <a:ext uri="{FF2B5EF4-FFF2-40B4-BE49-F238E27FC236}">
-                <a16:creationId xmlns:a16="http://schemas.microsoft.com/office/drawing/2014/main" id="{7B102036-862F-0F3E-EEBA-D9FDE18B4009}"/>
+                <a16:creationId xmlns:a16="http://schemas.microsoft.com/office/drawing/2014/main" id="{E3AAAF5F-76B5-8D05-885A-4555A0A77D49}"/>
               </a:ext>
             </a:extLst>
           </p:cNvPr>
@@ -7887,25 +9504,73 @@
           <p:nvPr>
             <p:extLst>
               <p:ext uri="{D42A27DB-BD31-4B8C-83A1-F6EECF244321}">
-                <p14:modId xmlns:p14="http://schemas.microsoft.com/office/powerpoint/2010/main" val="4267092950"/>
+                <p14:modId xmlns:p14="http://schemas.microsoft.com/office/powerpoint/2010/main" val="4227616226"/>
               </p:ext>
             </p:extLst>
           </p:nvPr>
         </p:nvGraphicFramePr>
         <p:xfrm>
-          <a:off x="741083" y="414866"/>
-          <a:ext cx="10446870" cy="6206651"/>
+          <a:off x="665655" y="919213"/>
+          <a:ext cx="10937766" cy="6091037"/>
         </p:xfrm>
         <a:graphic>
           <a:graphicData uri="http://schemas.openxmlformats.org/drawingml/2006/chart">
-            <c:chart xmlns:c="http://schemas.openxmlformats.org/drawingml/2006/chart" xmlns:r="http://schemas.openxmlformats.org/officeDocument/2006/relationships" r:id="rId2"/>
+            <c:chart xmlns:c="http://schemas.openxmlformats.org/drawingml/2006/chart" xmlns:r="http://schemas.openxmlformats.org/officeDocument/2006/relationships" r:id="rId3"/>
           </a:graphicData>
         </a:graphic>
       </p:graphicFrame>
+      <p:sp>
+        <p:nvSpPr>
+          <p:cNvPr id="2" name="テキスト ボックス 1">
+            <a:extLst>
+              <a:ext uri="{FF2B5EF4-FFF2-40B4-BE49-F238E27FC236}">
+                <a16:creationId xmlns:a16="http://schemas.microsoft.com/office/drawing/2014/main" id="{72DC8DA9-CF1A-6C19-7063-7F28D2C7FE0F}"/>
+              </a:ext>
+            </a:extLst>
+          </p:cNvPr>
+          <p:cNvSpPr txBox="1"/>
+          <p:nvPr/>
+        </p:nvSpPr>
+        <p:spPr>
+          <a:xfrm>
+            <a:off x="9194" y="6478158"/>
+            <a:ext cx="2577663" cy="338554"/>
+          </a:xfrm>
+          <a:prstGeom prst="rect">
+            <a:avLst/>
+          </a:prstGeom>
+          <a:noFill/>
+        </p:spPr>
+        <p:txBody>
+          <a:bodyPr wrap="square" rtlCol="0">
+            <a:spAutoFit/>
+          </a:bodyPr>
+          <a:lstStyle/>
+          <a:p>
+            <a:r>
+              <a:rPr lang="en-US" altLang="ja-JP" sz="1600" i="0" dirty="0">
+                <a:solidFill>
+                  <a:schemeClr val="bg1"/>
+                </a:solidFill>
+                <a:effectLst/>
+                <a:latin typeface="-apple-system"/>
+              </a:rPr>
+              <a:t>As of 2023/12/21</a:t>
+            </a:r>
+            <a:endParaRPr lang="ja-JP" altLang="en-US" sz="1600" i="0">
+              <a:solidFill>
+                <a:schemeClr val="bg1"/>
+              </a:solidFill>
+              <a:effectLst/>
+              <a:latin typeface="-apple-system"/>
+            </a:endParaRPr>
+          </a:p>
+        </p:txBody>
+      </p:sp>
     </p:spTree>
     <p:extLst>
       <p:ext uri="{BB962C8B-B14F-4D97-AF65-F5344CB8AC3E}">
-        <p14:creationId xmlns:p14="http://schemas.microsoft.com/office/powerpoint/2010/main" val="786222199"/>
+        <p14:creationId xmlns:p14="http://schemas.microsoft.com/office/powerpoint/2010/main" val="3257702972"/>
       </p:ext>
     </p:extLst>
   </p:cSld>
@@ -7947,7 +9612,7 @@
         <p:spPr>
           <a:xfrm>
             <a:off x="362607" y="236483"/>
-            <a:ext cx="11466786" cy="6385034"/>
+            <a:ext cx="11466786" cy="6241675"/>
           </a:xfrm>
           <a:prstGeom prst="rect">
             <a:avLst/>
@@ -7991,6 +9656,398 @@
           <p:cNvPr id="2" name="グラフ 1">
             <a:extLst>
               <a:ext uri="{FF2B5EF4-FFF2-40B4-BE49-F238E27FC236}">
+                <a16:creationId xmlns:a16="http://schemas.microsoft.com/office/drawing/2014/main" id="{7B102036-862F-0F3E-EEBA-D9FDE18B4009}"/>
+              </a:ext>
+            </a:extLst>
+          </p:cNvPr>
+          <p:cNvGraphicFramePr/>
+          <p:nvPr>
+            <p:extLst>
+              <p:ext uri="{D42A27DB-BD31-4B8C-83A1-F6EECF244321}">
+                <p14:modId xmlns:p14="http://schemas.microsoft.com/office/powerpoint/2010/main" val="2741799003"/>
+              </p:ext>
+            </p:extLst>
+          </p:nvPr>
+        </p:nvGraphicFramePr>
+        <p:xfrm>
+          <a:off x="741083" y="262613"/>
+          <a:ext cx="10446870" cy="6206651"/>
+        </p:xfrm>
+        <a:graphic>
+          <a:graphicData uri="http://schemas.openxmlformats.org/drawingml/2006/chart">
+            <c:chart xmlns:c="http://schemas.openxmlformats.org/drawingml/2006/chart" xmlns:r="http://schemas.openxmlformats.org/officeDocument/2006/relationships" r:id="rId2"/>
+          </a:graphicData>
+        </a:graphic>
+      </p:graphicFrame>
+      <p:sp>
+        <p:nvSpPr>
+          <p:cNvPr id="3" name="テキスト ボックス 2">
+            <a:extLst>
+              <a:ext uri="{FF2B5EF4-FFF2-40B4-BE49-F238E27FC236}">
+                <a16:creationId xmlns:a16="http://schemas.microsoft.com/office/drawing/2014/main" id="{90222EB9-2EC0-21A0-BEA6-09C3E64B2BCA}"/>
+              </a:ext>
+            </a:extLst>
+          </p:cNvPr>
+          <p:cNvSpPr txBox="1"/>
+          <p:nvPr/>
+        </p:nvSpPr>
+        <p:spPr>
+          <a:xfrm>
+            <a:off x="9194" y="6478158"/>
+            <a:ext cx="2577663" cy="338554"/>
+          </a:xfrm>
+          <a:prstGeom prst="rect">
+            <a:avLst/>
+          </a:prstGeom>
+          <a:noFill/>
+        </p:spPr>
+        <p:txBody>
+          <a:bodyPr wrap="square" rtlCol="0">
+            <a:spAutoFit/>
+          </a:bodyPr>
+          <a:lstStyle/>
+          <a:p>
+            <a:r>
+              <a:rPr lang="en-US" altLang="ja-JP" sz="1600" i="0" dirty="0">
+                <a:solidFill>
+                  <a:schemeClr val="bg1"/>
+                </a:solidFill>
+                <a:effectLst/>
+                <a:latin typeface="-apple-system"/>
+              </a:rPr>
+              <a:t>As of 2023/12/21</a:t>
+            </a:r>
+            <a:endParaRPr lang="ja-JP" altLang="en-US" sz="1600" i="0">
+              <a:solidFill>
+                <a:schemeClr val="bg1"/>
+              </a:solidFill>
+              <a:effectLst/>
+              <a:latin typeface="-apple-system"/>
+            </a:endParaRPr>
+          </a:p>
+        </p:txBody>
+      </p:sp>
+    </p:spTree>
+    <p:extLst>
+      <p:ext uri="{BB962C8B-B14F-4D97-AF65-F5344CB8AC3E}">
+        <p14:creationId xmlns:p14="http://schemas.microsoft.com/office/powerpoint/2010/main" val="786222199"/>
+      </p:ext>
+    </p:extLst>
+  </p:cSld>
+  <p:clrMapOvr>
+    <a:masterClrMapping/>
+  </p:clrMapOvr>
+</p:sld>
+</file>
+
+<file path=ppt/slides/slide6.xml><?xml version="1.0" encoding="utf-8"?>
+<p:sld xmlns:a="http://schemas.openxmlformats.org/drawingml/2006/main" xmlns:r="http://schemas.openxmlformats.org/officeDocument/2006/relationships" xmlns:p="http://schemas.openxmlformats.org/presentationml/2006/main">
+  <p:cSld>
+    <p:spTree>
+      <p:nvGrpSpPr>
+        <p:cNvPr id="1" name="">
+          <a:extLst>
+            <a:ext uri="{FF2B5EF4-FFF2-40B4-BE49-F238E27FC236}">
+              <a16:creationId xmlns:a16="http://schemas.microsoft.com/office/drawing/2014/main" id="{92B32414-2039-5A35-5CAA-3C25CA0D1B26}"/>
+            </a:ext>
+          </a:extLst>
+        </p:cNvPr>
+        <p:cNvGrpSpPr/>
+        <p:nvPr/>
+      </p:nvGrpSpPr>
+      <p:grpSpPr>
+        <a:xfrm>
+          <a:off x="0" y="0"/>
+          <a:ext cx="0" cy="0"/>
+          <a:chOff x="0" y="0"/>
+          <a:chExt cx="0" cy="0"/>
+        </a:xfrm>
+      </p:grpSpPr>
+      <p:sp>
+        <p:nvSpPr>
+          <p:cNvPr id="3" name="テキスト ボックス 2">
+            <a:extLst>
+              <a:ext uri="{FF2B5EF4-FFF2-40B4-BE49-F238E27FC236}">
+                <a16:creationId xmlns:a16="http://schemas.microsoft.com/office/drawing/2014/main" id="{D981903F-4FEC-2D9E-941A-F9123675D693}"/>
+              </a:ext>
+            </a:extLst>
+          </p:cNvPr>
+          <p:cNvSpPr txBox="1"/>
+          <p:nvPr/>
+        </p:nvSpPr>
+        <p:spPr>
+          <a:xfrm>
+            <a:off x="9194" y="6478158"/>
+            <a:ext cx="2577663" cy="338554"/>
+          </a:xfrm>
+          <a:prstGeom prst="rect">
+            <a:avLst/>
+          </a:prstGeom>
+          <a:noFill/>
+        </p:spPr>
+        <p:txBody>
+          <a:bodyPr wrap="square" rtlCol="0">
+            <a:spAutoFit/>
+          </a:bodyPr>
+          <a:lstStyle/>
+          <a:p>
+            <a:r>
+              <a:rPr lang="en-US" altLang="ja-JP" sz="1600" i="0" dirty="0">
+                <a:solidFill>
+                  <a:schemeClr val="bg1"/>
+                </a:solidFill>
+                <a:effectLst/>
+                <a:latin typeface="-apple-system"/>
+              </a:rPr>
+              <a:t>As of 2023/12/21</a:t>
+            </a:r>
+            <a:endParaRPr lang="ja-JP" altLang="en-US" sz="1600" i="0">
+              <a:solidFill>
+                <a:schemeClr val="bg1"/>
+              </a:solidFill>
+              <a:effectLst/>
+              <a:latin typeface="-apple-system"/>
+            </a:endParaRPr>
+          </a:p>
+        </p:txBody>
+      </p:sp>
+      <p:sp>
+        <p:nvSpPr>
+          <p:cNvPr id="4" name="正方形/長方形 3">
+            <a:extLst>
+              <a:ext uri="{FF2B5EF4-FFF2-40B4-BE49-F238E27FC236}">
+                <a16:creationId xmlns:a16="http://schemas.microsoft.com/office/drawing/2014/main" id="{D5B17A98-7FA9-DD2D-DAC5-015ACA053FE3}"/>
+              </a:ext>
+            </a:extLst>
+          </p:cNvPr>
+          <p:cNvSpPr/>
+          <p:nvPr/>
+        </p:nvSpPr>
+        <p:spPr>
+          <a:xfrm>
+            <a:off x="362607" y="236483"/>
+            <a:ext cx="11466786" cy="6241675"/>
+          </a:xfrm>
+          <a:prstGeom prst="rect">
+            <a:avLst/>
+          </a:prstGeom>
+          <a:solidFill>
+            <a:schemeClr val="bg1">
+              <a:alpha val="74565"/>
+            </a:schemeClr>
+          </a:solidFill>
+          <a:ln>
+            <a:noFill/>
+          </a:ln>
+        </p:spPr>
+        <p:style>
+          <a:lnRef idx="2">
+            <a:schemeClr val="accent1">
+              <a:shade val="15000"/>
+            </a:schemeClr>
+          </a:lnRef>
+          <a:fillRef idx="1">
+            <a:schemeClr val="accent1"/>
+          </a:fillRef>
+          <a:effectRef idx="0">
+            <a:schemeClr val="accent1"/>
+          </a:effectRef>
+          <a:fontRef idx="minor">
+            <a:schemeClr val="lt1"/>
+          </a:fontRef>
+        </p:style>
+        <p:txBody>
+          <a:bodyPr rtlCol="0" anchor="ctr"/>
+          <a:lstStyle/>
+          <a:p>
+            <a:pPr algn="ctr"/>
+            <a:endParaRPr kumimoji="1" lang="ja-JP" altLang="en-US"/>
+          </a:p>
+        </p:txBody>
+      </p:sp>
+      <p:pic>
+        <p:nvPicPr>
+          <p:cNvPr id="1036" name="Picture 12">
+            <a:extLst>
+              <a:ext uri="{FF2B5EF4-FFF2-40B4-BE49-F238E27FC236}">
+                <a16:creationId xmlns:a16="http://schemas.microsoft.com/office/drawing/2014/main" id="{0CCC489A-0A16-1345-24B3-59897FAA5968}"/>
+              </a:ext>
+            </a:extLst>
+          </p:cNvPr>
+          <p:cNvPicPr>
+            <a:picLocks noChangeAspect="1" noChangeArrowheads="1"/>
+          </p:cNvPicPr>
+          <p:nvPr/>
+        </p:nvPicPr>
+        <p:blipFill>
+          <a:blip r:embed="rId3">
+            <a:extLst>
+              <a:ext uri="{28A0092B-C50C-407E-A947-70E740481C1C}">
+                <a14:useLocalDpi xmlns:a14="http://schemas.microsoft.com/office/drawing/2010/main" val="0"/>
+              </a:ext>
+            </a:extLst>
+          </a:blip>
+          <a:srcRect/>
+          <a:stretch>
+            <a:fillRect/>
+          </a:stretch>
+        </p:blipFill>
+        <p:spPr bwMode="auto">
+          <a:xfrm>
+            <a:off x="362607" y="499821"/>
+            <a:ext cx="11430000" cy="5715000"/>
+          </a:xfrm>
+          <a:prstGeom prst="rect">
+            <a:avLst/>
+          </a:prstGeom>
+          <a:noFill/>
+          <a:extLst>
+            <a:ext uri="{909E8E84-426E-40DD-AFC4-6F175D3DCCD1}">
+              <a14:hiddenFill xmlns:a14="http://schemas.microsoft.com/office/drawing/2010/main">
+                <a:solidFill>
+                  <a:srgbClr val="FFFFFF"/>
+                </a:solidFill>
+              </a14:hiddenFill>
+            </a:ext>
+          </a:extLst>
+        </p:spPr>
+      </p:pic>
+      <p:pic>
+        <p:nvPicPr>
+          <p:cNvPr id="1038" name="Picture 14">
+            <a:extLst>
+              <a:ext uri="{FF2B5EF4-FFF2-40B4-BE49-F238E27FC236}">
+                <a16:creationId xmlns:a16="http://schemas.microsoft.com/office/drawing/2014/main" id="{2B00E467-00F1-4BF1-A67F-F7CBB2279FDB}"/>
+              </a:ext>
+            </a:extLst>
+          </p:cNvPr>
+          <p:cNvPicPr>
+            <a:picLocks noChangeAspect="1" noChangeArrowheads="1"/>
+          </p:cNvPicPr>
+          <p:nvPr/>
+        </p:nvPicPr>
+        <p:blipFill>
+          <a:blip r:embed="rId4">
+            <a:extLst>
+              <a:ext uri="{28A0092B-C50C-407E-A947-70E740481C1C}">
+                <a14:useLocalDpi xmlns:a14="http://schemas.microsoft.com/office/drawing/2010/main" val="0"/>
+              </a:ext>
+            </a:extLst>
+          </a:blip>
+          <a:srcRect/>
+          <a:stretch>
+            <a:fillRect/>
+          </a:stretch>
+        </p:blipFill>
+        <p:spPr bwMode="auto">
+          <a:xfrm>
+            <a:off x="381000" y="7933696"/>
+            <a:ext cx="11430000" cy="5715000"/>
+          </a:xfrm>
+          <a:prstGeom prst="rect">
+            <a:avLst/>
+          </a:prstGeom>
+          <a:noFill/>
+          <a:extLst>
+            <a:ext uri="{909E8E84-426E-40DD-AFC4-6F175D3DCCD1}">
+              <a14:hiddenFill xmlns:a14="http://schemas.microsoft.com/office/drawing/2010/main">
+                <a:solidFill>
+                  <a:srgbClr val="FFFFFF"/>
+                </a:solidFill>
+              </a14:hiddenFill>
+            </a:ext>
+          </a:extLst>
+        </p:spPr>
+      </p:pic>
+    </p:spTree>
+    <p:extLst>
+      <p:ext uri="{BB962C8B-B14F-4D97-AF65-F5344CB8AC3E}">
+        <p14:creationId xmlns:p14="http://schemas.microsoft.com/office/powerpoint/2010/main" val="58155729"/>
+      </p:ext>
+    </p:extLst>
+  </p:cSld>
+  <p:clrMapOvr>
+    <a:masterClrMapping/>
+  </p:clrMapOvr>
+</p:sld>
+</file>
+
+<file path=ppt/slides/slide7.xml><?xml version="1.0" encoding="utf-8"?>
+<p:sld xmlns:a="http://schemas.openxmlformats.org/drawingml/2006/main" xmlns:r="http://schemas.openxmlformats.org/officeDocument/2006/relationships" xmlns:p="http://schemas.openxmlformats.org/presentationml/2006/main">
+  <p:cSld>
+    <p:spTree>
+      <p:nvGrpSpPr>
+        <p:cNvPr id="1" name=""/>
+        <p:cNvGrpSpPr/>
+        <p:nvPr/>
+      </p:nvGrpSpPr>
+      <p:grpSpPr>
+        <a:xfrm>
+          <a:off x="0" y="0"/>
+          <a:ext cx="0" cy="0"/>
+          <a:chOff x="0" y="0"/>
+          <a:chExt cx="0" cy="0"/>
+        </a:xfrm>
+      </p:grpSpPr>
+      <p:sp>
+        <p:nvSpPr>
+          <p:cNvPr id="4" name="正方形/長方形 3">
+            <a:extLst>
+              <a:ext uri="{FF2B5EF4-FFF2-40B4-BE49-F238E27FC236}">
+                <a16:creationId xmlns:a16="http://schemas.microsoft.com/office/drawing/2014/main" id="{19D332C2-407B-17E0-58B5-8039996EF411}"/>
+              </a:ext>
+            </a:extLst>
+          </p:cNvPr>
+          <p:cNvSpPr/>
+          <p:nvPr/>
+        </p:nvSpPr>
+        <p:spPr>
+          <a:xfrm>
+            <a:off x="362607" y="236483"/>
+            <a:ext cx="11466786" cy="6241675"/>
+          </a:xfrm>
+          <a:prstGeom prst="rect">
+            <a:avLst/>
+          </a:prstGeom>
+          <a:solidFill>
+            <a:srgbClr val="FFFFFF">
+              <a:alpha val="34902"/>
+            </a:srgbClr>
+          </a:solidFill>
+          <a:ln>
+            <a:noFill/>
+          </a:ln>
+        </p:spPr>
+        <p:style>
+          <a:lnRef idx="2">
+            <a:schemeClr val="accent1">
+              <a:shade val="15000"/>
+            </a:schemeClr>
+          </a:lnRef>
+          <a:fillRef idx="1">
+            <a:schemeClr val="accent1"/>
+          </a:fillRef>
+          <a:effectRef idx="0">
+            <a:schemeClr val="accent1"/>
+          </a:effectRef>
+          <a:fontRef idx="minor">
+            <a:schemeClr val="lt1"/>
+          </a:fontRef>
+        </p:style>
+        <p:txBody>
+          <a:bodyPr rtlCol="0" anchor="ctr"/>
+          <a:lstStyle/>
+          <a:p>
+            <a:pPr algn="ctr"/>
+            <a:endParaRPr kumimoji="1" lang="ja-JP" altLang="en-US"/>
+          </a:p>
+        </p:txBody>
+      </p:sp>
+      <p:graphicFrame>
+        <p:nvGraphicFramePr>
+          <p:cNvPr id="2" name="グラフ 1">
+            <a:extLst>
+              <a:ext uri="{FF2B5EF4-FFF2-40B4-BE49-F238E27FC236}">
                 <a16:creationId xmlns:a16="http://schemas.microsoft.com/office/drawing/2014/main" id="{EB6967B3-1979-A688-FC9B-DD9E1E586CDE}"/>
               </a:ext>
             </a:extLst>
@@ -7999,7 +10056,7 @@
           <p:nvPr>
             <p:extLst>
               <p:ext uri="{D42A27DB-BD31-4B8C-83A1-F6EECF244321}">
-                <p14:modId xmlns:p14="http://schemas.microsoft.com/office/powerpoint/2010/main" val="4244274421"/>
+                <p14:modId xmlns:p14="http://schemas.microsoft.com/office/powerpoint/2010/main" val="481126314"/>
               </p:ext>
             </p:extLst>
           </p:nvPr>
@@ -8014,6 +10071,54 @@
           </a:graphicData>
         </a:graphic>
       </p:graphicFrame>
+      <p:sp>
+        <p:nvSpPr>
+          <p:cNvPr id="3" name="テキスト ボックス 2">
+            <a:extLst>
+              <a:ext uri="{FF2B5EF4-FFF2-40B4-BE49-F238E27FC236}">
+                <a16:creationId xmlns:a16="http://schemas.microsoft.com/office/drawing/2014/main" id="{F4216331-9FC1-B311-D3D4-770C87C7F184}"/>
+              </a:ext>
+            </a:extLst>
+          </p:cNvPr>
+          <p:cNvSpPr txBox="1"/>
+          <p:nvPr/>
+        </p:nvSpPr>
+        <p:spPr>
+          <a:xfrm>
+            <a:off x="9194" y="6478158"/>
+            <a:ext cx="2577663" cy="338554"/>
+          </a:xfrm>
+          <a:prstGeom prst="rect">
+            <a:avLst/>
+          </a:prstGeom>
+          <a:noFill/>
+        </p:spPr>
+        <p:txBody>
+          <a:bodyPr wrap="square" rtlCol="0">
+            <a:spAutoFit/>
+          </a:bodyPr>
+          <a:lstStyle/>
+          <a:p>
+            <a:r>
+              <a:rPr lang="en-US" altLang="ja-JP" sz="1600" i="0" dirty="0">
+                <a:solidFill>
+                  <a:schemeClr val="bg1"/>
+                </a:solidFill>
+                <a:effectLst/>
+                <a:latin typeface="-apple-system"/>
+              </a:rPr>
+              <a:t>As of 2023/12/21</a:t>
+            </a:r>
+            <a:endParaRPr lang="ja-JP" altLang="en-US" sz="1600" i="0">
+              <a:solidFill>
+                <a:schemeClr val="bg1"/>
+              </a:solidFill>
+              <a:effectLst/>
+              <a:latin typeface="-apple-system"/>
+            </a:endParaRPr>
+          </a:p>
+        </p:txBody>
+      </p:sp>
     </p:spTree>
     <p:extLst>
       <p:ext uri="{BB962C8B-B14F-4D97-AF65-F5344CB8AC3E}">
@@ -8342,6 +10447,321 @@
 </a:theme>
 </file>
 
+<file path=ppt/theme/theme2.xml><?xml version="1.0" encoding="utf-8"?>
+<a:theme xmlns:a="http://schemas.openxmlformats.org/drawingml/2006/main" name="Office テーマ">
+  <a:themeElements>
+    <a:clrScheme name="Office">
+      <a:dk1>
+        <a:sysClr val="windowText" lastClr="000000"/>
+      </a:dk1>
+      <a:lt1>
+        <a:sysClr val="window" lastClr="FFFFFF"/>
+      </a:lt1>
+      <a:dk2>
+        <a:srgbClr val="0E2841"/>
+      </a:dk2>
+      <a:lt2>
+        <a:srgbClr val="E8E8E8"/>
+      </a:lt2>
+      <a:accent1>
+        <a:srgbClr val="156082"/>
+      </a:accent1>
+      <a:accent2>
+        <a:srgbClr val="E97132"/>
+      </a:accent2>
+      <a:accent3>
+        <a:srgbClr val="196B24"/>
+      </a:accent3>
+      <a:accent4>
+        <a:srgbClr val="0F9ED5"/>
+      </a:accent4>
+      <a:accent5>
+        <a:srgbClr val="A02B93"/>
+      </a:accent5>
+      <a:accent6>
+        <a:srgbClr val="4EA72E"/>
+      </a:accent6>
+      <a:hlink>
+        <a:srgbClr val="467886"/>
+      </a:hlink>
+      <a:folHlink>
+        <a:srgbClr val="96607D"/>
+      </a:folHlink>
+    </a:clrScheme>
+    <a:fontScheme name="Office">
+      <a:majorFont>
+        <a:latin typeface="游ゴシック Light" panose="02110004020202020204"/>
+        <a:ea typeface=""/>
+        <a:cs typeface=""/>
+        <a:font script="Jpan" typeface="游ゴシック Light"/>
+        <a:font script="Hang" typeface="맑은 고딕"/>
+        <a:font script="Hans" typeface="等线 Light"/>
+        <a:font script="Hant" typeface="新細明體"/>
+        <a:font script="Arab" typeface="Times New Roman"/>
+        <a:font script="Hebr" typeface="Times New Roman"/>
+        <a:font script="Thai" typeface="Angsana New"/>
+        <a:font script="Ethi" typeface="Nyala"/>
+        <a:font script="Beng" typeface="Vrinda"/>
+        <a:font script="Gujr" typeface="Shruti"/>
+        <a:font script="Khmr" typeface="MoolBoran"/>
+        <a:font script="Knda" typeface="Tunga"/>
+        <a:font script="Guru" typeface="Raavi"/>
+        <a:font script="Cans" typeface="Euphemia"/>
+        <a:font script="Cher" typeface="Plantagenet Cherokee"/>
+        <a:font script="Yiii" typeface="Microsoft Yi Baiti"/>
+        <a:font script="Tibt" typeface="Microsoft Himalaya"/>
+        <a:font script="Thaa" typeface="MV Boli"/>
+        <a:font script="Deva" typeface="Mangal"/>
+        <a:font script="Telu" typeface="Gautami"/>
+        <a:font script="Taml" typeface="Latha"/>
+        <a:font script="Syrc" typeface="Estrangelo Edessa"/>
+        <a:font script="Orya" typeface="Kalinga"/>
+        <a:font script="Mlym" typeface="Kartika"/>
+        <a:font script="Laoo" typeface="DokChampa"/>
+        <a:font script="Sinh" typeface="Iskoola Pota"/>
+        <a:font script="Mong" typeface="Mongolian Baiti"/>
+        <a:font script="Viet" typeface="Times New Roman"/>
+        <a:font script="Uigh" typeface="Microsoft Uighur"/>
+        <a:font script="Geor" typeface="Sylfaen"/>
+        <a:font script="Armn" typeface="Arial"/>
+        <a:font script="Bugi" typeface="Leelawadee UI"/>
+        <a:font script="Bopo" typeface="Microsoft JhengHei"/>
+        <a:font script="Java" typeface="Javanese Text"/>
+        <a:font script="Lisu" typeface="Segoe UI"/>
+        <a:font script="Mymr" typeface="Myanmar Text"/>
+        <a:font script="Nkoo" typeface="Ebrima"/>
+        <a:font script="Olck" typeface="Nirmala UI"/>
+        <a:font script="Osma" typeface="Ebrima"/>
+        <a:font script="Phag" typeface="Phagspa"/>
+        <a:font script="Syrn" typeface="Estrangelo Edessa"/>
+        <a:font script="Syrj" typeface="Estrangelo Edessa"/>
+        <a:font script="Syre" typeface="Estrangelo Edessa"/>
+        <a:font script="Sora" typeface="Nirmala UI"/>
+        <a:font script="Tale" typeface="Microsoft Tai Le"/>
+        <a:font script="Talu" typeface="Microsoft New Tai Lue"/>
+        <a:font script="Tfng" typeface="Ebrima"/>
+      </a:majorFont>
+      <a:minorFont>
+        <a:latin typeface="游ゴシック" panose="02110004020202020204"/>
+        <a:ea typeface=""/>
+        <a:cs typeface=""/>
+        <a:font script="Jpan" typeface="游ゴシック"/>
+        <a:font script="Hang" typeface="맑은 고딕"/>
+        <a:font script="Hans" typeface="等线"/>
+        <a:font script="Hant" typeface="新細明體"/>
+        <a:font script="Arab" typeface="Arial"/>
+        <a:font script="Hebr" typeface="Arial"/>
+        <a:font script="Thai" typeface="Cordia New"/>
+        <a:font script="Ethi" typeface="Nyala"/>
+        <a:font script="Beng" typeface="Vrinda"/>
+        <a:font script="Gujr" typeface="Shruti"/>
+        <a:font script="Khmr" typeface="DaunPenh"/>
+        <a:font script="Knda" typeface="Tunga"/>
+        <a:font script="Guru" typeface="Raavi"/>
+        <a:font script="Cans" typeface="Euphemia"/>
+        <a:font script="Cher" typeface="Plantagenet Cherokee"/>
+        <a:font script="Yiii" typeface="Microsoft Yi Baiti"/>
+        <a:font script="Tibt" typeface="Microsoft Himalaya"/>
+        <a:font script="Thaa" typeface="MV Boli"/>
+        <a:font script="Deva" typeface="Mangal"/>
+        <a:font script="Telu" typeface="Gautami"/>
+        <a:font script="Taml" typeface="Latha"/>
+        <a:font script="Syrc" typeface="Estrangelo Edessa"/>
+        <a:font script="Orya" typeface="Kalinga"/>
+        <a:font script="Mlym" typeface="Kartika"/>
+        <a:font script="Laoo" typeface="DokChampa"/>
+        <a:font script="Sinh" typeface="Iskoola Pota"/>
+        <a:font script="Mong" typeface="Mongolian Baiti"/>
+        <a:font script="Viet" typeface="Arial"/>
+        <a:font script="Uigh" typeface="Microsoft Uighur"/>
+        <a:font script="Geor" typeface="Sylfaen"/>
+        <a:font script="Armn" typeface="Arial"/>
+        <a:font script="Bugi" typeface="Leelawadee UI"/>
+        <a:font script="Bopo" typeface="Microsoft JhengHei"/>
+        <a:font script="Java" typeface="Javanese Text"/>
+        <a:font script="Lisu" typeface="Segoe UI"/>
+        <a:font script="Mymr" typeface="Myanmar Text"/>
+        <a:font script="Nkoo" typeface="Ebrima"/>
+        <a:font script="Olck" typeface="Nirmala UI"/>
+        <a:font script="Osma" typeface="Ebrima"/>
+        <a:font script="Phag" typeface="Phagspa"/>
+        <a:font script="Syrn" typeface="Estrangelo Edessa"/>
+        <a:font script="Syrj" typeface="Estrangelo Edessa"/>
+        <a:font script="Syre" typeface="Estrangelo Edessa"/>
+        <a:font script="Sora" typeface="Nirmala UI"/>
+        <a:font script="Tale" typeface="Microsoft Tai Le"/>
+        <a:font script="Talu" typeface="Microsoft New Tai Lue"/>
+        <a:font script="Tfng" typeface="Ebrima"/>
+      </a:minorFont>
+    </a:fontScheme>
+    <a:fmtScheme name="Office">
+      <a:fillStyleLst>
+        <a:solidFill>
+          <a:schemeClr val="phClr"/>
+        </a:solidFill>
+        <a:gradFill rotWithShape="1">
+          <a:gsLst>
+            <a:gs pos="0">
+              <a:schemeClr val="phClr">
+                <a:lumMod val="110000"/>
+                <a:satMod val="105000"/>
+                <a:tint val="67000"/>
+              </a:schemeClr>
+            </a:gs>
+            <a:gs pos="50000">
+              <a:schemeClr val="phClr">
+                <a:lumMod val="105000"/>
+                <a:satMod val="103000"/>
+                <a:tint val="73000"/>
+              </a:schemeClr>
+            </a:gs>
+            <a:gs pos="100000">
+              <a:schemeClr val="phClr">
+                <a:lumMod val="105000"/>
+                <a:satMod val="109000"/>
+                <a:tint val="81000"/>
+              </a:schemeClr>
+            </a:gs>
+          </a:gsLst>
+          <a:lin ang="5400000" scaled="0"/>
+        </a:gradFill>
+        <a:gradFill rotWithShape="1">
+          <a:gsLst>
+            <a:gs pos="0">
+              <a:schemeClr val="phClr">
+                <a:satMod val="103000"/>
+                <a:lumMod val="102000"/>
+                <a:tint val="94000"/>
+              </a:schemeClr>
+            </a:gs>
+            <a:gs pos="50000">
+              <a:schemeClr val="phClr">
+                <a:satMod val="110000"/>
+                <a:lumMod val="100000"/>
+                <a:shade val="100000"/>
+              </a:schemeClr>
+            </a:gs>
+            <a:gs pos="100000">
+              <a:schemeClr val="phClr">
+                <a:lumMod val="99000"/>
+                <a:satMod val="120000"/>
+                <a:shade val="78000"/>
+              </a:schemeClr>
+            </a:gs>
+          </a:gsLst>
+          <a:lin ang="5400000" scaled="0"/>
+        </a:gradFill>
+      </a:fillStyleLst>
+      <a:lnStyleLst>
+        <a:ln w="12700" cap="flat" cmpd="sng" algn="ctr">
+          <a:solidFill>
+            <a:schemeClr val="phClr"/>
+          </a:solidFill>
+          <a:prstDash val="solid"/>
+          <a:miter lim="800000"/>
+        </a:ln>
+        <a:ln w="19050" cap="flat" cmpd="sng" algn="ctr">
+          <a:solidFill>
+            <a:schemeClr val="phClr"/>
+          </a:solidFill>
+          <a:prstDash val="solid"/>
+          <a:miter lim="800000"/>
+        </a:ln>
+        <a:ln w="25400" cap="flat" cmpd="sng" algn="ctr">
+          <a:solidFill>
+            <a:schemeClr val="phClr"/>
+          </a:solidFill>
+          <a:prstDash val="solid"/>
+          <a:miter lim="800000"/>
+        </a:ln>
+      </a:lnStyleLst>
+      <a:effectStyleLst>
+        <a:effectStyle>
+          <a:effectLst/>
+        </a:effectStyle>
+        <a:effectStyle>
+          <a:effectLst/>
+        </a:effectStyle>
+        <a:effectStyle>
+          <a:effectLst>
+            <a:outerShdw blurRad="57150" dist="19050" dir="5400000" algn="ctr" rotWithShape="0">
+              <a:srgbClr val="000000">
+                <a:alpha val="63000"/>
+              </a:srgbClr>
+            </a:outerShdw>
+          </a:effectLst>
+        </a:effectStyle>
+      </a:effectStyleLst>
+      <a:bgFillStyleLst>
+        <a:solidFill>
+          <a:schemeClr val="phClr"/>
+        </a:solidFill>
+        <a:solidFill>
+          <a:schemeClr val="phClr">
+            <a:tint val="95000"/>
+            <a:satMod val="170000"/>
+          </a:schemeClr>
+        </a:solidFill>
+        <a:gradFill rotWithShape="1">
+          <a:gsLst>
+            <a:gs pos="0">
+              <a:schemeClr val="phClr">
+                <a:tint val="93000"/>
+                <a:satMod val="150000"/>
+                <a:shade val="98000"/>
+                <a:lumMod val="102000"/>
+              </a:schemeClr>
+            </a:gs>
+            <a:gs pos="50000">
+              <a:schemeClr val="phClr">
+                <a:tint val="98000"/>
+                <a:satMod val="130000"/>
+                <a:shade val="90000"/>
+                <a:lumMod val="103000"/>
+              </a:schemeClr>
+            </a:gs>
+            <a:gs pos="100000">
+              <a:schemeClr val="phClr">
+                <a:shade val="63000"/>
+                <a:satMod val="120000"/>
+              </a:schemeClr>
+            </a:gs>
+          </a:gsLst>
+          <a:lin ang="5400000" scaled="0"/>
+        </a:gradFill>
+      </a:bgFillStyleLst>
+    </a:fmtScheme>
+  </a:themeElements>
+  <a:objectDefaults>
+    <a:lnDef>
+      <a:spPr/>
+      <a:bodyPr/>
+      <a:lstStyle/>
+      <a:style>
+        <a:lnRef idx="2">
+          <a:schemeClr val="accent1"/>
+        </a:lnRef>
+        <a:fillRef idx="0">
+          <a:schemeClr val="accent1"/>
+        </a:fillRef>
+        <a:effectRef idx="1">
+          <a:schemeClr val="accent1"/>
+        </a:effectRef>
+        <a:fontRef idx="minor">
+          <a:schemeClr val="tx1"/>
+        </a:fontRef>
+      </a:style>
+    </a:lnDef>
+  </a:objectDefaults>
+  <a:extraClrSchemeLst/>
+  <a:extLst>
+    <a:ext uri="{05A4C25C-085E-4340-85A3-A5531E510DB2}">
+      <thm15:themeFamily xmlns:thm15="http://schemas.microsoft.com/office/thememl/2012/main" name="Office Theme" id="{2E142A2C-CD16-42D6-873A-C26D2A0506FA}" vid="{1BDDFF52-6CD6-40A5-AB3C-68EB2F1E4D0A}"/>
+    </a:ext>
+  </a:extLst>
+</a:theme>
+</file>
+
 <file path=docMetadata/LabelInfo.xml><?xml version="1.0" encoding="utf-8"?>
 <clbl:labelList xmlns:clbl="http://schemas.microsoft.com/office/2020/mipLabelMetadata">
   <clbl:label id="{f42aa342-8706-4288-bd11-ebb85995028c}" enabled="1" method="Standard" siteId="{72f988bf-86f1-41af-91ab-2d7cd011db47}" contentBits="0" removed="0"/>
